--- a/Presentation-PSHSummit2023-NoVideo.pptx
+++ b/Presentation-PSHSummit2023-NoVideo.pptx
@@ -5,7 +5,7 @@
     <p:sldMasterId id="2147483648" r:id="rId4"/>
   </p:sldMasterIdLst>
   <p:notesMasterIdLst>
-    <p:notesMasterId r:id="rId27"/>
+    <p:notesMasterId r:id="rId26"/>
   </p:notesMasterIdLst>
   <p:sldIdLst>
     <p:sldId id="258" r:id="rId5"/>
@@ -16,20 +16,19 @@
     <p:sldId id="284" r:id="rId10"/>
     <p:sldId id="260" r:id="rId11"/>
     <p:sldId id="271" r:id="rId12"/>
-    <p:sldId id="272" r:id="rId13"/>
-    <p:sldId id="273" r:id="rId14"/>
-    <p:sldId id="285" r:id="rId15"/>
-    <p:sldId id="261" r:id="rId16"/>
-    <p:sldId id="275" r:id="rId17"/>
-    <p:sldId id="286" r:id="rId18"/>
-    <p:sldId id="262" r:id="rId19"/>
-    <p:sldId id="287" r:id="rId20"/>
-    <p:sldId id="288" r:id="rId21"/>
-    <p:sldId id="289" r:id="rId22"/>
-    <p:sldId id="290" r:id="rId23"/>
-    <p:sldId id="291" r:id="rId24"/>
-    <p:sldId id="263" r:id="rId25"/>
-    <p:sldId id="268" r:id="rId26"/>
+    <p:sldId id="273" r:id="rId13"/>
+    <p:sldId id="285" r:id="rId14"/>
+    <p:sldId id="261" r:id="rId15"/>
+    <p:sldId id="275" r:id="rId16"/>
+    <p:sldId id="286" r:id="rId17"/>
+    <p:sldId id="262" r:id="rId18"/>
+    <p:sldId id="287" r:id="rId19"/>
+    <p:sldId id="288" r:id="rId20"/>
+    <p:sldId id="289" r:id="rId21"/>
+    <p:sldId id="290" r:id="rId22"/>
+    <p:sldId id="291" r:id="rId23"/>
+    <p:sldId id="263" r:id="rId24"/>
+    <p:sldId id="268" r:id="rId25"/>
   </p:sldIdLst>
   <p:sldSz cx="12192000" cy="6858000"/>
   <p:notesSz cx="6858000" cy="9144000"/>
@@ -177,8 +176,158 @@
 </p:presentation>
 </file>
 
+<file path=ppt/revisionInfo.xml><?xml version="1.0" encoding="utf-8"?>
+<p1510:revInfo xmlns:a="http://schemas.openxmlformats.org/drawingml/2006/main" xmlns:r="http://schemas.openxmlformats.org/officeDocument/2006/relationships" xmlns:p1510="http://schemas.microsoft.com/office/powerpoint/2015/10/main">
+  <p1510:revLst>
+    <p1510:client id="{A3962EED-ABA8-4EB1-9163-F76B7800A94B}" v="42" dt="2023-05-03T23:53:32.936"/>
+  </p1510:revLst>
+</p1510:revInfo>
+</file>
+
 <file path=ppt/changesInfos/changesInfo1.xml><?xml version="1.0" encoding="utf-8"?>
 <pc:chgInfo xmlns:a="http://schemas.openxmlformats.org/drawingml/2006/main" xmlns:r="http://schemas.openxmlformats.org/officeDocument/2006/relationships" xmlns:ac="http://schemas.microsoft.com/office/drawing/2013/main/command" xmlns:pc="http://schemas.microsoft.com/office/powerpoint/2013/main/command">
+  <pc:docChgLst>
+    <pc:chgData name="Mike Soule" userId="9fd0a5c4b3bf1bb1" providerId="LiveId" clId="{A3962EED-ABA8-4EB1-9163-F76B7800A94B}"/>
+    <pc:docChg chg="undo custSel delSld modSld">
+      <pc:chgData name="Mike Soule" userId="9fd0a5c4b3bf1bb1" providerId="LiveId" clId="{A3962EED-ABA8-4EB1-9163-F76B7800A94B}" dt="2023-05-03T23:53:32.936" v="88" actId="1036"/>
+      <pc:docMkLst>
+        <pc:docMk/>
+      </pc:docMkLst>
+      <pc:sldChg chg="modSp mod">
+        <pc:chgData name="Mike Soule" userId="9fd0a5c4b3bf1bb1" providerId="LiveId" clId="{A3962EED-ABA8-4EB1-9163-F76B7800A94B}" dt="2023-05-03T23:52:38.498" v="4" actId="20577"/>
+        <pc:sldMkLst>
+          <pc:docMk/>
+          <pc:sldMk cId="42147978" sldId="271"/>
+        </pc:sldMkLst>
+        <pc:spChg chg="mod">
+          <ac:chgData name="Mike Soule" userId="9fd0a5c4b3bf1bb1" providerId="LiveId" clId="{A3962EED-ABA8-4EB1-9163-F76B7800A94B}" dt="2023-05-03T23:52:38.498" v="4" actId="20577"/>
+          <ac:spMkLst>
+            <pc:docMk/>
+            <pc:sldMk cId="42147978" sldId="271"/>
+            <ac:spMk id="8" creationId="{56FE2A39-865E-D4FC-263A-2C0CC7EB877F}"/>
+          </ac:spMkLst>
+        </pc:spChg>
+      </pc:sldChg>
+      <pc:sldChg chg="del">
+        <pc:chgData name="Mike Soule" userId="9fd0a5c4b3bf1bb1" providerId="LiveId" clId="{A3962EED-ABA8-4EB1-9163-F76B7800A94B}" dt="2023-05-03T23:52:05.568" v="0" actId="2696"/>
+        <pc:sldMkLst>
+          <pc:docMk/>
+          <pc:sldMk cId="2397752576" sldId="272"/>
+        </pc:sldMkLst>
+      </pc:sldChg>
+      <pc:sldChg chg="addSp delSp modSp mod">
+        <pc:chgData name="Mike Soule" userId="9fd0a5c4b3bf1bb1" providerId="LiveId" clId="{A3962EED-ABA8-4EB1-9163-F76B7800A94B}" dt="2023-05-03T23:53:32.936" v="88" actId="1036"/>
+        <pc:sldMkLst>
+          <pc:docMk/>
+          <pc:sldMk cId="671384436" sldId="273"/>
+        </pc:sldMkLst>
+        <pc:spChg chg="mod">
+          <ac:chgData name="Mike Soule" userId="9fd0a5c4b3bf1bb1" providerId="LiveId" clId="{A3962EED-ABA8-4EB1-9163-F76B7800A94B}" dt="2023-05-03T23:53:11.868" v="44" actId="20577"/>
+          <ac:spMkLst>
+            <pc:docMk/>
+            <pc:sldMk cId="671384436" sldId="273"/>
+            <ac:spMk id="11" creationId="{2A7AA5F5-7167-B422-B6F4-94D351B85AA5}"/>
+          </ac:spMkLst>
+        </pc:spChg>
+        <pc:spChg chg="mod">
+          <ac:chgData name="Mike Soule" userId="9fd0a5c4b3bf1bb1" providerId="LiveId" clId="{A3962EED-ABA8-4EB1-9163-F76B7800A94B}" dt="2023-05-03T23:52:15.256" v="1" actId="14100"/>
+          <ac:spMkLst>
+            <pc:docMk/>
+            <pc:sldMk cId="671384436" sldId="273"/>
+            <ac:spMk id="13" creationId="{014FD63C-5681-CA60-0C4F-F4D7839567E3}"/>
+          </ac:spMkLst>
+        </pc:spChg>
+        <pc:spChg chg="mod">
+          <ac:chgData name="Mike Soule" userId="9fd0a5c4b3bf1bb1" providerId="LiveId" clId="{A3962EED-ABA8-4EB1-9163-F76B7800A94B}" dt="2023-05-03T23:53:32.936" v="88" actId="1036"/>
+          <ac:spMkLst>
+            <pc:docMk/>
+            <pc:sldMk cId="671384436" sldId="273"/>
+            <ac:spMk id="26" creationId="{136414C4-7058-EEE8-825B-74EAF803C687}"/>
+          </ac:spMkLst>
+        </pc:spChg>
+        <pc:spChg chg="add del">
+          <ac:chgData name="Mike Soule" userId="9fd0a5c4b3bf1bb1" providerId="LiveId" clId="{A3962EED-ABA8-4EB1-9163-F76B7800A94B}" dt="2023-05-03T23:53:18.580" v="45" actId="478"/>
+          <ac:spMkLst>
+            <pc:docMk/>
+            <pc:sldMk cId="671384436" sldId="273"/>
+            <ac:spMk id="39" creationId="{CCCB84B5-4480-F777-696E-15EDC67E7DE9}"/>
+          </ac:spMkLst>
+        </pc:spChg>
+        <pc:spChg chg="mod">
+          <ac:chgData name="Mike Soule" userId="9fd0a5c4b3bf1bb1" providerId="LiveId" clId="{A3962EED-ABA8-4EB1-9163-F76B7800A94B}" dt="2023-05-03T23:53:32.936" v="88" actId="1036"/>
+          <ac:spMkLst>
+            <pc:docMk/>
+            <pc:sldMk cId="671384436" sldId="273"/>
+            <ac:spMk id="41" creationId="{4CC27227-444E-D8AA-5210-E1EE91AC3EE2}"/>
+          </ac:spMkLst>
+        </pc:spChg>
+        <pc:spChg chg="mod">
+          <ac:chgData name="Mike Soule" userId="9fd0a5c4b3bf1bb1" providerId="LiveId" clId="{A3962EED-ABA8-4EB1-9163-F76B7800A94B}" dt="2023-05-03T23:53:32.936" v="88" actId="1036"/>
+          <ac:spMkLst>
+            <pc:docMk/>
+            <pc:sldMk cId="671384436" sldId="273"/>
+            <ac:spMk id="1029" creationId="{21062AFE-F664-098C-0A86-4E39A3E5115D}"/>
+          </ac:spMkLst>
+        </pc:spChg>
+        <pc:spChg chg="add del">
+          <ac:chgData name="Mike Soule" userId="9fd0a5c4b3bf1bb1" providerId="LiveId" clId="{A3962EED-ABA8-4EB1-9163-F76B7800A94B}" dt="2023-05-03T23:53:18.580" v="45" actId="478"/>
+          <ac:spMkLst>
+            <pc:docMk/>
+            <pc:sldMk cId="671384436" sldId="273"/>
+            <ac:spMk id="1030" creationId="{B0D5AE85-DAEE-826C-28F1-DFEABE76B03B}"/>
+          </ac:spMkLst>
+        </pc:spChg>
+        <pc:grpChg chg="mod">
+          <ac:chgData name="Mike Soule" userId="9fd0a5c4b3bf1bb1" providerId="LiveId" clId="{A3962EED-ABA8-4EB1-9163-F76B7800A94B}" dt="2023-05-03T23:53:32.936" v="88" actId="1036"/>
+          <ac:grpSpMkLst>
+            <pc:docMk/>
+            <pc:sldMk cId="671384436" sldId="273"/>
+            <ac:grpSpMk id="40" creationId="{F3D5840B-E737-B578-15CC-5C057CC5EF84}"/>
+          </ac:grpSpMkLst>
+        </pc:grpChg>
+        <pc:grpChg chg="add del">
+          <ac:chgData name="Mike Soule" userId="9fd0a5c4b3bf1bb1" providerId="LiveId" clId="{A3962EED-ABA8-4EB1-9163-F76B7800A94B}" dt="2023-05-03T23:53:18.580" v="45" actId="478"/>
+          <ac:grpSpMkLst>
+            <pc:docMk/>
+            <pc:sldMk cId="671384436" sldId="273"/>
+            <ac:grpSpMk id="54" creationId="{C63B90D3-2692-1290-333A-642E4BF0526C}"/>
+          </ac:grpSpMkLst>
+        </pc:grpChg>
+        <pc:grpChg chg="mod">
+          <ac:chgData name="Mike Soule" userId="9fd0a5c4b3bf1bb1" providerId="LiveId" clId="{A3962EED-ABA8-4EB1-9163-F76B7800A94B}" dt="2023-05-03T23:53:32.936" v="88" actId="1036"/>
+          <ac:grpSpMkLst>
+            <pc:docMk/>
+            <pc:sldMk cId="671384436" sldId="273"/>
+            <ac:grpSpMk id="55" creationId="{F9CEB114-6ABF-D9FD-C5AC-FC2386A2C6AA}"/>
+          </ac:grpSpMkLst>
+        </pc:grpChg>
+        <pc:picChg chg="mod">
+          <ac:chgData name="Mike Soule" userId="9fd0a5c4b3bf1bb1" providerId="LiveId" clId="{A3962EED-ABA8-4EB1-9163-F76B7800A94B}" dt="2023-05-03T23:53:32.936" v="88" actId="1036"/>
+          <ac:picMkLst>
+            <pc:docMk/>
+            <pc:sldMk cId="671384436" sldId="273"/>
+            <ac:picMk id="43" creationId="{1F6ACCC0-6EF9-DAF2-2251-AC15DCFCFFBD}"/>
+          </ac:picMkLst>
+        </pc:picChg>
+        <pc:cxnChg chg="mod">
+          <ac:chgData name="Mike Soule" userId="9fd0a5c4b3bf1bb1" providerId="LiveId" clId="{A3962EED-ABA8-4EB1-9163-F76B7800A94B}" dt="2023-05-03T23:53:22.513" v="46" actId="14100"/>
+          <ac:cxnSpMkLst>
+            <pc:docMk/>
+            <pc:sldMk cId="671384436" sldId="273"/>
+            <ac:cxnSpMk id="4" creationId="{11A4D1C0-E181-5B40-2366-0CB1B31BBC51}"/>
+          </ac:cxnSpMkLst>
+        </pc:cxnChg>
+        <pc:cxnChg chg="mod">
+          <ac:chgData name="Mike Soule" userId="9fd0a5c4b3bf1bb1" providerId="LiveId" clId="{A3962EED-ABA8-4EB1-9163-F76B7800A94B}" dt="2023-05-03T23:53:32.936" v="88" actId="1036"/>
+          <ac:cxnSpMkLst>
+            <pc:docMk/>
+            <pc:sldMk cId="671384436" sldId="273"/>
+            <ac:cxnSpMk id="42" creationId="{7D9BA1CF-F9E1-EDB5-D543-EBF953C2F92B}"/>
+          </ac:cxnSpMkLst>
+        </pc:cxnChg>
+      </pc:sldChg>
+    </pc:docChg>
+  </pc:docChgLst>
   <pc:docChgLst>
     <pc:chgData name="Mike Soule" userId="9fd0a5c4b3bf1bb1" providerId="LiveId" clId="{93CADCA0-786F-48FE-8D10-2CF484C42C07}"/>
     <pc:docChg chg="delSld">
@@ -336,7 +485,7 @@
           <a:p>
             <a:fld id="{62CF2DC4-392E-48ED-97F2-135EC7E14E8B}" type="datetimeFigureOut">
               <a:rPr lang="en-US" smtClean="0"/>
-              <a:t>4/10/2023</a:t>
+              <a:t>5/3/2023</a:t>
             </a:fld>
             <a:endParaRPr lang="en-US"/>
           </a:p>
@@ -1019,7 +1168,7 @@
           <a:p>
             <a:fld id="{1BE96AA4-38A2-465E-9A4A-964197A8AE4C}" type="slidenum">
               <a:rPr lang="en-US" smtClean="0"/>
-              <a:t>15</a:t>
+              <a:t>14</a:t>
             </a:fld>
             <a:endParaRPr lang="en-US"/>
           </a:p>
@@ -1163,7 +1312,7 @@
           <a:p>
             <a:fld id="{1BE96AA4-38A2-465E-9A4A-964197A8AE4C}" type="slidenum">
               <a:rPr lang="en-US" smtClean="0"/>
-              <a:t>16</a:t>
+              <a:t>15</a:t>
             </a:fld>
             <a:endParaRPr lang="en-US"/>
           </a:p>
@@ -1307,7 +1456,7 @@
           <a:p>
             <a:fld id="{1BE96AA4-38A2-465E-9A4A-964197A8AE4C}" type="slidenum">
               <a:rPr lang="en-US" smtClean="0"/>
-              <a:t>17</a:t>
+              <a:t>16</a:t>
             </a:fld>
             <a:endParaRPr lang="en-US"/>
           </a:p>
@@ -1451,7 +1600,7 @@
           <a:p>
             <a:fld id="{1BE96AA4-38A2-465E-9A4A-964197A8AE4C}" type="slidenum">
               <a:rPr lang="en-US" smtClean="0"/>
-              <a:t>18</a:t>
+              <a:t>17</a:t>
             </a:fld>
             <a:endParaRPr lang="en-US"/>
           </a:p>
@@ -1595,7 +1744,7 @@
           <a:p>
             <a:fld id="{1BE96AA4-38A2-465E-9A4A-964197A8AE4C}" type="slidenum">
               <a:rPr lang="en-US" smtClean="0"/>
-              <a:t>19</a:t>
+              <a:t>18</a:t>
             </a:fld>
             <a:endParaRPr lang="en-US"/>
           </a:p>
@@ -1739,7 +1888,7 @@
           <a:p>
             <a:fld id="{1BE96AA4-38A2-465E-9A4A-964197A8AE4C}" type="slidenum">
               <a:rPr lang="en-US" smtClean="0"/>
-              <a:t>20</a:t>
+              <a:t>19</a:t>
             </a:fld>
             <a:endParaRPr lang="en-US"/>
           </a:p>
@@ -2963,1628 +3112,6 @@
           <a:chExt cx="0" cy="0"/>
         </a:xfrm>
       </p:grpSpPr>
-      <p:grpSp>
-        <p:nvGrpSpPr>
-          <p:cNvPr id="18" name="Group 17">
-            <a:extLst>
-              <a:ext uri="{FF2B5EF4-FFF2-40B4-BE49-F238E27FC236}">
-                <a16:creationId xmlns:a16="http://schemas.microsoft.com/office/drawing/2014/main" id="{CF8EB446-4FAC-3039-5277-4967316D4B7D}"/>
-              </a:ext>
-            </a:extLst>
-          </p:cNvPr>
-          <p:cNvGrpSpPr/>
-          <p:nvPr/>
-        </p:nvGrpSpPr>
-        <p:grpSpPr>
-          <a:xfrm>
-            <a:off x="83288" y="1194592"/>
-            <a:ext cx="3301918" cy="1016211"/>
-            <a:chOff x="83288" y="676432"/>
-            <a:chExt cx="3301918" cy="1016211"/>
-          </a:xfrm>
-        </p:grpSpPr>
-        <p:pic>
-          <p:nvPicPr>
-            <p:cNvPr id="19" name="Picture 2" descr="Microsoft Apps">
-              <a:extLst>
-                <a:ext uri="{FF2B5EF4-FFF2-40B4-BE49-F238E27FC236}">
-                  <a16:creationId xmlns:a16="http://schemas.microsoft.com/office/drawing/2014/main" id="{FBD7BF4D-3B6D-18E1-EA17-E1E84B35A728}"/>
-                </a:ext>
-              </a:extLst>
-            </p:cNvPr>
-            <p:cNvPicPr>
-              <a:picLocks noChangeAspect="1" noChangeArrowheads="1"/>
-            </p:cNvPicPr>
-            <p:nvPr/>
-          </p:nvPicPr>
-          <p:blipFill>
-            <a:blip r:embed="rId2">
-              <a:extLst>
-                <a:ext uri="{28A0092B-C50C-407E-A947-70E740481C1C}">
-                  <a14:useLocalDpi xmlns:a14="http://schemas.microsoft.com/office/drawing/2010/main" val="0"/>
-                </a:ext>
-              </a:extLst>
-            </a:blip>
-            <a:srcRect/>
-            <a:stretch>
-              <a:fillRect/>
-            </a:stretch>
-          </p:blipFill>
-          <p:spPr bwMode="auto">
-            <a:xfrm>
-              <a:off x="83288" y="809633"/>
-              <a:ext cx="749808" cy="749808"/>
-            </a:xfrm>
-            <a:prstGeom prst="rect">
-              <a:avLst/>
-            </a:prstGeom>
-            <a:noFill/>
-            <a:extLst>
-              <a:ext uri="{909E8E84-426E-40DD-AFC4-6F175D3DCCD1}">
-                <a14:hiddenFill xmlns:a14="http://schemas.microsoft.com/office/drawing/2010/main">
-                  <a:solidFill>
-                    <a:srgbClr val="FFFFFF"/>
-                  </a:solidFill>
-                </a14:hiddenFill>
-              </a:ext>
-            </a:extLst>
-          </p:spPr>
-        </p:pic>
-        <p:grpSp>
-          <p:nvGrpSpPr>
-            <p:cNvPr id="20" name="Group 19">
-              <a:extLst>
-                <a:ext uri="{FF2B5EF4-FFF2-40B4-BE49-F238E27FC236}">
-                  <a16:creationId xmlns:a16="http://schemas.microsoft.com/office/drawing/2014/main" id="{869C3997-D7EC-A40C-6A80-77E6FAB4966F}"/>
-                </a:ext>
-              </a:extLst>
-            </p:cNvPr>
-            <p:cNvGrpSpPr/>
-            <p:nvPr/>
-          </p:nvGrpSpPr>
-          <p:grpSpPr>
-            <a:xfrm>
-              <a:off x="978199" y="676432"/>
-              <a:ext cx="2407007" cy="1016211"/>
-              <a:chOff x="76200" y="2278396"/>
-              <a:chExt cx="3377452" cy="1016211"/>
-            </a:xfrm>
-          </p:grpSpPr>
-          <p:sp>
-            <p:nvSpPr>
-              <p:cNvPr id="21" name="TextBox 20">
-                <a:extLst>
-                  <a:ext uri="{FF2B5EF4-FFF2-40B4-BE49-F238E27FC236}">
-                    <a16:creationId xmlns:a16="http://schemas.microsoft.com/office/drawing/2014/main" id="{F31C4071-8ED1-7C69-7B89-C3DFD4F0DB32}"/>
-                  </a:ext>
-                </a:extLst>
-              </p:cNvPr>
-              <p:cNvSpPr txBox="1"/>
-              <p:nvPr/>
-            </p:nvSpPr>
-            <p:spPr>
-              <a:xfrm>
-                <a:off x="76200" y="2278396"/>
-                <a:ext cx="3377452" cy="1016211"/>
-              </a:xfrm>
-              <a:prstGeom prst="rect">
-                <a:avLst/>
-              </a:prstGeom>
-              <a:noFill/>
-            </p:spPr>
-            <p:txBody>
-              <a:bodyPr wrap="square" rtlCol="0" anchor="ctr">
-                <a:noAutofit/>
-              </a:bodyPr>
-              <a:lstStyle/>
-              <a:p>
-                <a:pPr algn="r"/>
-                <a:r>
-                  <a:rPr lang="en-US" sz="1600" b="1" dirty="0">
-                    <a:latin typeface="Franklin Gothic Book" panose="020B0503020102020204" pitchFamily="34" charset="0"/>
-                  </a:rPr>
-                  <a:t>Install Visual Studio Code</a:t>
-                </a:r>
-              </a:p>
-            </p:txBody>
-          </p:sp>
-          <p:cxnSp>
-            <p:nvCxnSpPr>
-              <p:cNvPr id="22" name="Straight Connector 21">
-                <a:extLst>
-                  <a:ext uri="{FF2B5EF4-FFF2-40B4-BE49-F238E27FC236}">
-                    <a16:creationId xmlns:a16="http://schemas.microsoft.com/office/drawing/2014/main" id="{A3176C08-F276-9E82-662D-AA3C69B82E9D}"/>
-                  </a:ext>
-                </a:extLst>
-              </p:cNvPr>
-              <p:cNvCxnSpPr>
-                <a:cxnSpLocks/>
-              </p:cNvCxnSpPr>
-              <p:nvPr/>
-            </p:nvCxnSpPr>
-            <p:spPr>
-              <a:xfrm>
-                <a:off x="3453652" y="2349472"/>
-                <a:ext cx="0" cy="874059"/>
-              </a:xfrm>
-              <a:prstGeom prst="line">
-                <a:avLst/>
-              </a:prstGeom>
-              <a:ln w="9525">
-                <a:solidFill>
-                  <a:srgbClr val="6D6E71"/>
-                </a:solidFill>
-              </a:ln>
-            </p:spPr>
-            <p:style>
-              <a:lnRef idx="1">
-                <a:schemeClr val="accent1"/>
-              </a:lnRef>
-              <a:fillRef idx="0">
-                <a:schemeClr val="accent1"/>
-              </a:fillRef>
-              <a:effectRef idx="0">
-                <a:schemeClr val="accent1"/>
-              </a:effectRef>
-              <a:fontRef idx="minor">
-                <a:schemeClr val="tx1"/>
-              </a:fontRef>
-            </p:style>
-          </p:cxnSp>
-        </p:grpSp>
-      </p:grpSp>
-      <p:sp>
-        <p:nvSpPr>
-          <p:cNvPr id="2" name="Title 1">
-            <a:extLst>
-              <a:ext uri="{FF2B5EF4-FFF2-40B4-BE49-F238E27FC236}">
-                <a16:creationId xmlns:a16="http://schemas.microsoft.com/office/drawing/2014/main" id="{692979E0-EDB0-DEED-AD06-92DF75C1D6AC}"/>
-              </a:ext>
-            </a:extLst>
-          </p:cNvPr>
-          <p:cNvSpPr>
-            <a:spLocks noGrp="1"/>
-          </p:cNvSpPr>
-          <p:nvPr>
-            <p:ph type="title"/>
-          </p:nvPr>
-        </p:nvSpPr>
-        <p:spPr/>
-        <p:txBody>
-          <a:bodyPr/>
-          <a:lstStyle/>
-          <a:p>
-            <a:r>
-              <a:rPr lang="en-US" dirty="0"/>
-              <a:t>How can you get started?</a:t>
-            </a:r>
-          </a:p>
-        </p:txBody>
-      </p:sp>
-      <p:grpSp>
-        <p:nvGrpSpPr>
-          <p:cNvPr id="53" name="Group 52">
-            <a:extLst>
-              <a:ext uri="{FF2B5EF4-FFF2-40B4-BE49-F238E27FC236}">
-                <a16:creationId xmlns:a16="http://schemas.microsoft.com/office/drawing/2014/main" id="{EF0334CE-E30D-0F88-35EC-9FF9A08BB6CB}"/>
-              </a:ext>
-            </a:extLst>
-          </p:cNvPr>
-          <p:cNvGrpSpPr/>
-          <p:nvPr/>
-        </p:nvGrpSpPr>
-        <p:grpSpPr>
-          <a:xfrm>
-            <a:off x="85060" y="2545213"/>
-            <a:ext cx="3300146" cy="1016211"/>
-            <a:chOff x="85060" y="1979680"/>
-            <a:chExt cx="3300146" cy="1016211"/>
-          </a:xfrm>
-        </p:grpSpPr>
-        <p:grpSp>
-          <p:nvGrpSpPr>
-            <p:cNvPr id="7" name="Group 6">
-              <a:extLst>
-                <a:ext uri="{FF2B5EF4-FFF2-40B4-BE49-F238E27FC236}">
-                  <a16:creationId xmlns:a16="http://schemas.microsoft.com/office/drawing/2014/main" id="{482D9CB8-7A09-9B14-1FCD-3EBF8B6D303B}"/>
-                </a:ext>
-              </a:extLst>
-            </p:cNvPr>
-            <p:cNvGrpSpPr/>
-            <p:nvPr/>
-          </p:nvGrpSpPr>
-          <p:grpSpPr>
-            <a:xfrm>
-              <a:off x="978199" y="1979680"/>
-              <a:ext cx="2407007" cy="1016211"/>
-              <a:chOff x="76200" y="2278396"/>
-              <a:chExt cx="3377452" cy="1016211"/>
-            </a:xfrm>
-          </p:grpSpPr>
-          <p:sp>
-            <p:nvSpPr>
-              <p:cNvPr id="8" name="TextBox 7">
-                <a:extLst>
-                  <a:ext uri="{FF2B5EF4-FFF2-40B4-BE49-F238E27FC236}">
-                    <a16:creationId xmlns:a16="http://schemas.microsoft.com/office/drawing/2014/main" id="{56FE2A39-865E-D4FC-263A-2C0CC7EB877F}"/>
-                  </a:ext>
-                </a:extLst>
-              </p:cNvPr>
-              <p:cNvSpPr txBox="1"/>
-              <p:nvPr/>
-            </p:nvSpPr>
-            <p:spPr>
-              <a:xfrm>
-                <a:off x="76200" y="2278396"/>
-                <a:ext cx="3377452" cy="1016211"/>
-              </a:xfrm>
-              <a:prstGeom prst="rect">
-                <a:avLst/>
-              </a:prstGeom>
-              <a:noFill/>
-            </p:spPr>
-            <p:txBody>
-              <a:bodyPr wrap="square" rtlCol="0" anchor="ctr">
-                <a:noAutofit/>
-              </a:bodyPr>
-              <a:lstStyle/>
-              <a:p>
-                <a:pPr algn="r"/>
-                <a:r>
-                  <a:rPr lang="en-US" sz="1600" b="1" dirty="0">
-                    <a:latin typeface="Franklin Gothic Book" panose="020B0503020102020204" pitchFamily="34" charset="0"/>
-                  </a:rPr>
-                  <a:t>Install .NET SDK</a:t>
-                </a:r>
-              </a:p>
-              <a:p>
-                <a:pPr algn="r"/>
-                <a:r>
-                  <a:rPr lang="en-US" sz="1200" dirty="0">
-                    <a:latin typeface="Franklin Gothic Book" panose="020B0503020102020204" pitchFamily="34" charset="0"/>
-                  </a:rPr>
-                  <a:t>Category description</a:t>
-                </a:r>
-              </a:p>
-            </p:txBody>
-          </p:sp>
-          <p:cxnSp>
-            <p:nvCxnSpPr>
-              <p:cNvPr id="9" name="Straight Connector 8">
-                <a:extLst>
-                  <a:ext uri="{FF2B5EF4-FFF2-40B4-BE49-F238E27FC236}">
-                    <a16:creationId xmlns:a16="http://schemas.microsoft.com/office/drawing/2014/main" id="{0E46BB1C-2A6D-E190-3A82-3BDB64EB729C}"/>
-                  </a:ext>
-                </a:extLst>
-              </p:cNvPr>
-              <p:cNvCxnSpPr>
-                <a:cxnSpLocks/>
-              </p:cNvCxnSpPr>
-              <p:nvPr/>
-            </p:nvCxnSpPr>
-            <p:spPr>
-              <a:xfrm>
-                <a:off x="3453652" y="2349472"/>
-                <a:ext cx="0" cy="874059"/>
-              </a:xfrm>
-              <a:prstGeom prst="line">
-                <a:avLst/>
-              </a:prstGeom>
-              <a:ln w="9525">
-                <a:solidFill>
-                  <a:srgbClr val="6D6E71"/>
-                </a:solidFill>
-              </a:ln>
-            </p:spPr>
-            <p:style>
-              <a:lnRef idx="1">
-                <a:schemeClr val="accent1"/>
-              </a:lnRef>
-              <a:fillRef idx="0">
-                <a:schemeClr val="accent1"/>
-              </a:fillRef>
-              <a:effectRef idx="0">
-                <a:schemeClr val="accent1"/>
-              </a:effectRef>
-              <a:fontRef idx="minor">
-                <a:schemeClr val="tx1"/>
-              </a:fontRef>
-            </p:style>
-          </p:cxnSp>
-        </p:grpSp>
-        <p:pic>
-          <p:nvPicPr>
-            <p:cNvPr id="17" name="Graphic 16">
-              <a:extLst>
-                <a:ext uri="{FF2B5EF4-FFF2-40B4-BE49-F238E27FC236}">
-                  <a16:creationId xmlns:a16="http://schemas.microsoft.com/office/drawing/2014/main" id="{166C0655-46ED-E788-FC51-5E38BB24C332}"/>
-                </a:ext>
-              </a:extLst>
-            </p:cNvPr>
-            <p:cNvPicPr>
-              <a:picLocks noChangeAspect="1"/>
-            </p:cNvPicPr>
-            <p:nvPr/>
-          </p:nvPicPr>
-          <p:blipFill>
-            <a:blip r:embed="rId3">
-              <a:extLst>
-                <a:ext uri="{96DAC541-7B7A-43D3-8B79-37D633B846F1}">
-                  <asvg:svgBlip xmlns:asvg="http://schemas.microsoft.com/office/drawing/2016/SVG/main" r:embed="rId4"/>
-                </a:ext>
-              </a:extLst>
-            </a:blip>
-            <a:stretch>
-              <a:fillRect/>
-            </a:stretch>
-          </p:blipFill>
-          <p:spPr>
-            <a:xfrm>
-              <a:off x="85060" y="2112881"/>
-              <a:ext cx="749808" cy="749808"/>
-            </a:xfrm>
-            <a:prstGeom prst="rect">
-              <a:avLst/>
-            </a:prstGeom>
-          </p:spPr>
-        </p:pic>
-      </p:grpSp>
-      <p:sp>
-        <p:nvSpPr>
-          <p:cNvPr id="29" name="TextBox 28">
-            <a:extLst>
-              <a:ext uri="{FF2B5EF4-FFF2-40B4-BE49-F238E27FC236}">
-                <a16:creationId xmlns:a16="http://schemas.microsoft.com/office/drawing/2014/main" id="{311ED4C5-6B65-71D1-10B7-0D53ECBE192E}"/>
-              </a:ext>
-            </a:extLst>
-          </p:cNvPr>
-          <p:cNvSpPr txBox="1"/>
-          <p:nvPr/>
-        </p:nvSpPr>
-        <p:spPr>
-          <a:xfrm>
-            <a:off x="7924955" y="1548809"/>
-            <a:ext cx="4153427" cy="307777"/>
-          </a:xfrm>
-          <a:prstGeom prst="rect">
-            <a:avLst/>
-          </a:prstGeom>
-          <a:noFill/>
-        </p:spPr>
-        <p:txBody>
-          <a:bodyPr wrap="square">
-            <a:spAutoFit/>
-          </a:bodyPr>
-          <a:lstStyle/>
-          <a:p>
-            <a:pPr algn="ctr"/>
-            <a:r>
-              <a:rPr lang="en-US" sz="1400" dirty="0"/>
-              <a:t>https://code.visualstudio.com/download</a:t>
-            </a:r>
-          </a:p>
-        </p:txBody>
-      </p:sp>
-      <p:sp>
-        <p:nvSpPr>
-          <p:cNvPr id="38" name="TextBox 37">
-            <a:extLst>
-              <a:ext uri="{FF2B5EF4-FFF2-40B4-BE49-F238E27FC236}">
-                <a16:creationId xmlns:a16="http://schemas.microsoft.com/office/drawing/2014/main" id="{CC7E074C-22C8-1571-2C5B-D2C33754484C}"/>
-              </a:ext>
-            </a:extLst>
-          </p:cNvPr>
-          <p:cNvSpPr txBox="1"/>
-          <p:nvPr/>
-        </p:nvSpPr>
-        <p:spPr>
-          <a:xfrm>
-            <a:off x="7924955" y="2899430"/>
-            <a:ext cx="4095907" cy="307777"/>
-          </a:xfrm>
-          <a:prstGeom prst="rect">
-            <a:avLst/>
-          </a:prstGeom>
-          <a:noFill/>
-        </p:spPr>
-        <p:txBody>
-          <a:bodyPr wrap="square">
-            <a:spAutoFit/>
-          </a:bodyPr>
-          <a:lstStyle/>
-          <a:p>
-            <a:pPr algn="ctr"/>
-            <a:r>
-              <a:rPr lang="en-US" sz="1400" dirty="0"/>
-              <a:t>https://dotnet.microsoft.com/download</a:t>
-            </a:r>
-          </a:p>
-        </p:txBody>
-      </p:sp>
-      <p:cxnSp>
-        <p:nvCxnSpPr>
-          <p:cNvPr id="4" name="Straight Connector 3">
-            <a:extLst>
-              <a:ext uri="{FF2B5EF4-FFF2-40B4-BE49-F238E27FC236}">
-                <a16:creationId xmlns:a16="http://schemas.microsoft.com/office/drawing/2014/main" id="{11A4D1C0-E181-5B40-2366-0CB1B31BBC51}"/>
-              </a:ext>
-            </a:extLst>
-          </p:cNvPr>
-          <p:cNvCxnSpPr>
-            <a:cxnSpLocks/>
-          </p:cNvCxnSpPr>
-          <p:nvPr/>
-        </p:nvCxnSpPr>
-        <p:spPr>
-          <a:xfrm>
-            <a:off x="7787906" y="1181100"/>
-            <a:ext cx="0" cy="3657600"/>
-          </a:xfrm>
-          <a:prstGeom prst="line">
-            <a:avLst/>
-          </a:prstGeom>
-          <a:ln w="28575">
-            <a:solidFill>
-              <a:srgbClr val="D1D3D4"/>
-            </a:solidFill>
-            <a:prstDash val="dash"/>
-          </a:ln>
-        </p:spPr>
-        <p:style>
-          <a:lnRef idx="1">
-            <a:schemeClr val="accent1"/>
-          </a:lnRef>
-          <a:fillRef idx="0">
-            <a:schemeClr val="accent1"/>
-          </a:fillRef>
-          <a:effectRef idx="0">
-            <a:schemeClr val="accent1"/>
-          </a:effectRef>
-          <a:fontRef idx="minor">
-            <a:schemeClr val="tx1"/>
-          </a:fontRef>
-        </p:style>
-      </p:cxnSp>
-      <p:sp>
-        <p:nvSpPr>
-          <p:cNvPr id="26" name="TextBox 25">
-            <a:extLst>
-              <a:ext uri="{FF2B5EF4-FFF2-40B4-BE49-F238E27FC236}">
-                <a16:creationId xmlns:a16="http://schemas.microsoft.com/office/drawing/2014/main" id="{136414C4-7058-EEE8-825B-74EAF803C687}"/>
-              </a:ext>
-            </a:extLst>
-          </p:cNvPr>
-          <p:cNvSpPr txBox="1"/>
-          <p:nvPr/>
-        </p:nvSpPr>
-        <p:spPr>
-          <a:xfrm>
-            <a:off x="7950302" y="5492951"/>
-            <a:ext cx="4104772" cy="523220"/>
-          </a:xfrm>
-          <a:prstGeom prst="rect">
-            <a:avLst/>
-          </a:prstGeom>
-          <a:noFill/>
-        </p:spPr>
-        <p:txBody>
-          <a:bodyPr wrap="square">
-            <a:spAutoFit/>
-          </a:bodyPr>
-          <a:lstStyle/>
-          <a:p>
-            <a:r>
-              <a:rPr lang="en-US" sz="1400" dirty="0"/>
-              <a:t>https://marketplace.visualstudio.com/items?itemName=ms-dotnettools.dotnet-interactive-vscode</a:t>
-            </a:r>
-          </a:p>
-        </p:txBody>
-      </p:sp>
-      <p:sp>
-        <p:nvSpPr>
-          <p:cNvPr id="28" name="TextBox 27">
-            <a:extLst>
-              <a:ext uri="{FF2B5EF4-FFF2-40B4-BE49-F238E27FC236}">
-                <a16:creationId xmlns:a16="http://schemas.microsoft.com/office/drawing/2014/main" id="{624C95C2-A626-2857-61BA-B415906D4C96}"/>
-              </a:ext>
-            </a:extLst>
-          </p:cNvPr>
-          <p:cNvSpPr txBox="1"/>
-          <p:nvPr/>
-        </p:nvSpPr>
-        <p:spPr>
-          <a:xfrm>
-            <a:off x="3704330" y="1348754"/>
-            <a:ext cx="3759555" cy="707886"/>
-          </a:xfrm>
-          <a:prstGeom prst="rect">
-            <a:avLst/>
-          </a:prstGeom>
-          <a:noFill/>
-        </p:spPr>
-        <p:txBody>
-          <a:bodyPr wrap="square">
-            <a:spAutoFit/>
-          </a:bodyPr>
-          <a:lstStyle/>
-          <a:p>
-            <a:r>
-              <a:rPr lang="nn-NO" sz="2000" dirty="0"/>
-              <a:t>winget install `</a:t>
-            </a:r>
-          </a:p>
-          <a:p>
-            <a:r>
-              <a:rPr lang="nn-NO" sz="2000" dirty="0"/>
-              <a:t>  --id Microsoft.VisualStudioCode</a:t>
-            </a:r>
-          </a:p>
-        </p:txBody>
-      </p:sp>
-      <p:sp>
-        <p:nvSpPr>
-          <p:cNvPr id="37" name="TextBox 36">
-            <a:extLst>
-              <a:ext uri="{FF2B5EF4-FFF2-40B4-BE49-F238E27FC236}">
-                <a16:creationId xmlns:a16="http://schemas.microsoft.com/office/drawing/2014/main" id="{7FE7C1F6-8E4B-65A4-EE3E-A4E8D2C6AB57}"/>
-              </a:ext>
-            </a:extLst>
-          </p:cNvPr>
-          <p:cNvSpPr txBox="1"/>
-          <p:nvPr/>
-        </p:nvSpPr>
-        <p:spPr>
-          <a:xfrm>
-            <a:off x="3704330" y="2545487"/>
-            <a:ext cx="3759555" cy="1015663"/>
-          </a:xfrm>
-          <a:prstGeom prst="rect">
-            <a:avLst/>
-          </a:prstGeom>
-          <a:noFill/>
-        </p:spPr>
-        <p:txBody>
-          <a:bodyPr wrap="square">
-            <a:spAutoFit/>
-          </a:bodyPr>
-          <a:lstStyle/>
-          <a:p>
-            <a:r>
-              <a:rPr lang="nn-NO" sz="2000" dirty="0"/>
-              <a:t>winget install `</a:t>
-            </a:r>
-          </a:p>
-          <a:p>
-            <a:r>
-              <a:rPr lang="nn-NO" sz="2000" dirty="0"/>
-              <a:t>  --id Microsoft.DotNet.SDK.7 `</a:t>
-            </a:r>
-          </a:p>
-          <a:p>
-            <a:r>
-              <a:rPr lang="nn-NO" sz="2000" dirty="0"/>
-              <a:t>  --log C:\temp\temp.log</a:t>
-            </a:r>
-          </a:p>
-        </p:txBody>
-      </p:sp>
-      <p:sp>
-        <p:nvSpPr>
-          <p:cNvPr id="39" name="TextBox 38">
-            <a:extLst>
-              <a:ext uri="{FF2B5EF4-FFF2-40B4-BE49-F238E27FC236}">
-                <a16:creationId xmlns:a16="http://schemas.microsoft.com/office/drawing/2014/main" id="{CCCB84B5-4480-F777-696E-15EDC67E7DE9}"/>
-              </a:ext>
-            </a:extLst>
-          </p:cNvPr>
-          <p:cNvSpPr txBox="1"/>
-          <p:nvPr/>
-        </p:nvSpPr>
-        <p:spPr>
-          <a:xfrm>
-            <a:off x="3704330" y="4080774"/>
-            <a:ext cx="3759555" cy="646331"/>
-          </a:xfrm>
-          <a:prstGeom prst="rect">
-            <a:avLst/>
-          </a:prstGeom>
-          <a:noFill/>
-        </p:spPr>
-        <p:txBody>
-          <a:bodyPr wrap="square">
-            <a:spAutoFit/>
-          </a:bodyPr>
-          <a:lstStyle/>
-          <a:p>
-            <a:r>
-              <a:rPr lang="nn-NO" dirty="0"/>
-              <a:t>winget install `</a:t>
-            </a:r>
-          </a:p>
-          <a:p>
-            <a:r>
-              <a:rPr lang="nn-NO" dirty="0"/>
-              <a:t>  --id Microsoft.PowerShell</a:t>
-            </a:r>
-          </a:p>
-        </p:txBody>
-      </p:sp>
-      <p:grpSp>
-        <p:nvGrpSpPr>
-          <p:cNvPr id="55" name="Group 54">
-            <a:extLst>
-              <a:ext uri="{FF2B5EF4-FFF2-40B4-BE49-F238E27FC236}">
-                <a16:creationId xmlns:a16="http://schemas.microsoft.com/office/drawing/2014/main" id="{F9CEB114-6ABF-D9FD-C5AC-FC2386A2C6AA}"/>
-              </a:ext>
-            </a:extLst>
-          </p:cNvPr>
-          <p:cNvGrpSpPr/>
-          <p:nvPr/>
-        </p:nvGrpSpPr>
-        <p:grpSpPr>
-          <a:xfrm>
-            <a:off x="82506" y="5246456"/>
-            <a:ext cx="3302700" cy="1016211"/>
-            <a:chOff x="82506" y="4652096"/>
-            <a:chExt cx="3302700" cy="1016211"/>
-          </a:xfrm>
-        </p:grpSpPr>
-        <p:grpSp>
-          <p:nvGrpSpPr>
-            <p:cNvPr id="40" name="Group 39">
-              <a:extLst>
-                <a:ext uri="{FF2B5EF4-FFF2-40B4-BE49-F238E27FC236}">
-                  <a16:creationId xmlns:a16="http://schemas.microsoft.com/office/drawing/2014/main" id="{F3D5840B-E737-B578-15CC-5C057CC5EF84}"/>
-                </a:ext>
-              </a:extLst>
-            </p:cNvPr>
-            <p:cNvGrpSpPr/>
-            <p:nvPr/>
-          </p:nvGrpSpPr>
-          <p:grpSpPr>
-            <a:xfrm>
-              <a:off x="978199" y="4652096"/>
-              <a:ext cx="2407007" cy="1016211"/>
-              <a:chOff x="76200" y="2278396"/>
-              <a:chExt cx="3377452" cy="1016211"/>
-            </a:xfrm>
-          </p:grpSpPr>
-          <p:sp>
-            <p:nvSpPr>
-              <p:cNvPr id="41" name="TextBox 40">
-                <a:extLst>
-                  <a:ext uri="{FF2B5EF4-FFF2-40B4-BE49-F238E27FC236}">
-                    <a16:creationId xmlns:a16="http://schemas.microsoft.com/office/drawing/2014/main" id="{4CC27227-444E-D8AA-5210-E1EE91AC3EE2}"/>
-                  </a:ext>
-                </a:extLst>
-              </p:cNvPr>
-              <p:cNvSpPr txBox="1"/>
-              <p:nvPr/>
-            </p:nvSpPr>
-            <p:spPr>
-              <a:xfrm>
-                <a:off x="76200" y="2278396"/>
-                <a:ext cx="3377452" cy="1016211"/>
-              </a:xfrm>
-              <a:prstGeom prst="rect">
-                <a:avLst/>
-              </a:prstGeom>
-              <a:noFill/>
-            </p:spPr>
-            <p:txBody>
-              <a:bodyPr wrap="square" rtlCol="0" anchor="ctr">
-                <a:noAutofit/>
-              </a:bodyPr>
-              <a:lstStyle/>
-              <a:p>
-                <a:pPr algn="r"/>
-                <a:r>
-                  <a:rPr lang="en-US" sz="1600" b="1" dirty="0">
-                    <a:latin typeface="Franklin Gothic Book" panose="020B0503020102020204" pitchFamily="34" charset="0"/>
-                  </a:rPr>
-                  <a:t>Install Polyglot Notebooks</a:t>
-                </a:r>
-              </a:p>
-              <a:p>
-                <a:pPr algn="r"/>
-                <a:r>
-                  <a:rPr lang="en-US" sz="1200" dirty="0">
-                    <a:latin typeface="Franklin Gothic Book" panose="020B0503020102020204" pitchFamily="34" charset="0"/>
-                  </a:rPr>
-                  <a:t>Visual Studio Code Extension</a:t>
-                </a:r>
-              </a:p>
-            </p:txBody>
-          </p:sp>
-          <p:cxnSp>
-            <p:nvCxnSpPr>
-              <p:cNvPr id="42" name="Straight Connector 41">
-                <a:extLst>
-                  <a:ext uri="{FF2B5EF4-FFF2-40B4-BE49-F238E27FC236}">
-                    <a16:creationId xmlns:a16="http://schemas.microsoft.com/office/drawing/2014/main" id="{7D9BA1CF-F9E1-EDB5-D543-EBF953C2F92B}"/>
-                  </a:ext>
-                </a:extLst>
-              </p:cNvPr>
-              <p:cNvCxnSpPr>
-                <a:cxnSpLocks/>
-              </p:cNvCxnSpPr>
-              <p:nvPr/>
-            </p:nvCxnSpPr>
-            <p:spPr>
-              <a:xfrm>
-                <a:off x="3453652" y="2349472"/>
-                <a:ext cx="0" cy="874059"/>
-              </a:xfrm>
-              <a:prstGeom prst="line">
-                <a:avLst/>
-              </a:prstGeom>
-              <a:ln w="9525">
-                <a:solidFill>
-                  <a:srgbClr val="6D6E71"/>
-                </a:solidFill>
-              </a:ln>
-            </p:spPr>
-            <p:style>
-              <a:lnRef idx="1">
-                <a:schemeClr val="accent1"/>
-              </a:lnRef>
-              <a:fillRef idx="0">
-                <a:schemeClr val="accent1"/>
-              </a:fillRef>
-              <a:effectRef idx="0">
-                <a:schemeClr val="accent1"/>
-              </a:effectRef>
-              <a:fontRef idx="minor">
-                <a:schemeClr val="tx1"/>
-              </a:fontRef>
-            </p:style>
-          </p:cxnSp>
-        </p:grpSp>
-        <p:pic>
-          <p:nvPicPr>
-            <p:cNvPr id="43" name="Picture 2">
-              <a:extLst>
-                <a:ext uri="{FF2B5EF4-FFF2-40B4-BE49-F238E27FC236}">
-                  <a16:creationId xmlns:a16="http://schemas.microsoft.com/office/drawing/2014/main" id="{1F6ACCC0-6EF9-DAF2-2251-AC15DCFCFFBD}"/>
-                </a:ext>
-              </a:extLst>
-            </p:cNvPr>
-            <p:cNvPicPr>
-              <a:picLocks noChangeAspect="1" noChangeArrowheads="1"/>
-            </p:cNvPicPr>
-            <p:nvPr/>
-          </p:nvPicPr>
-          <p:blipFill>
-            <a:blip r:embed="rId5">
-              <a:extLst>
-                <a:ext uri="{28A0092B-C50C-407E-A947-70E740481C1C}">
-                  <a14:useLocalDpi xmlns:a14="http://schemas.microsoft.com/office/drawing/2010/main" val="0"/>
-                </a:ext>
-              </a:extLst>
-            </a:blip>
-            <a:srcRect/>
-            <a:stretch>
-              <a:fillRect/>
-            </a:stretch>
-          </p:blipFill>
-          <p:spPr bwMode="auto">
-            <a:xfrm>
-              <a:off x="82506" y="4785297"/>
-              <a:ext cx="749808" cy="749808"/>
-            </a:xfrm>
-            <a:prstGeom prst="rect">
-              <a:avLst/>
-            </a:prstGeom>
-            <a:noFill/>
-            <a:extLst>
-              <a:ext uri="{909E8E84-426E-40DD-AFC4-6F175D3DCCD1}">
-                <a14:hiddenFill xmlns:a14="http://schemas.microsoft.com/office/drawing/2010/main">
-                  <a:solidFill>
-                    <a:srgbClr val="FFFFFF"/>
-                  </a:solidFill>
-                </a14:hiddenFill>
-              </a:ext>
-            </a:extLst>
-          </p:spPr>
-        </p:pic>
-      </p:grpSp>
-      <p:grpSp>
-        <p:nvGrpSpPr>
-          <p:cNvPr id="54" name="Group 53">
-            <a:extLst>
-              <a:ext uri="{FF2B5EF4-FFF2-40B4-BE49-F238E27FC236}">
-                <a16:creationId xmlns:a16="http://schemas.microsoft.com/office/drawing/2014/main" id="{C63B90D3-2692-1290-333A-642E4BF0526C}"/>
-              </a:ext>
-            </a:extLst>
-          </p:cNvPr>
-          <p:cNvGrpSpPr/>
-          <p:nvPr/>
-        </p:nvGrpSpPr>
-        <p:grpSpPr>
-          <a:xfrm>
-            <a:off x="82506" y="3895834"/>
-            <a:ext cx="3302700" cy="1016211"/>
-            <a:chOff x="82506" y="3282928"/>
-            <a:chExt cx="3302700" cy="1016211"/>
-          </a:xfrm>
-        </p:grpSpPr>
-        <p:grpSp>
-          <p:nvGrpSpPr>
-            <p:cNvPr id="10" name="Group 9">
-              <a:extLst>
-                <a:ext uri="{FF2B5EF4-FFF2-40B4-BE49-F238E27FC236}">
-                  <a16:creationId xmlns:a16="http://schemas.microsoft.com/office/drawing/2014/main" id="{D659CFA1-7EDD-C7FA-578D-7304BF09C955}"/>
-                </a:ext>
-              </a:extLst>
-            </p:cNvPr>
-            <p:cNvGrpSpPr/>
-            <p:nvPr/>
-          </p:nvGrpSpPr>
-          <p:grpSpPr>
-            <a:xfrm>
-              <a:off x="978199" y="3282928"/>
-              <a:ext cx="2407007" cy="1016211"/>
-              <a:chOff x="76200" y="2278396"/>
-              <a:chExt cx="3377452" cy="1016211"/>
-            </a:xfrm>
-          </p:grpSpPr>
-          <p:sp>
-            <p:nvSpPr>
-              <p:cNvPr id="11" name="TextBox 10">
-                <a:extLst>
-                  <a:ext uri="{FF2B5EF4-FFF2-40B4-BE49-F238E27FC236}">
-                    <a16:creationId xmlns:a16="http://schemas.microsoft.com/office/drawing/2014/main" id="{2A7AA5F5-7167-B422-B6F4-94D351B85AA5}"/>
-                  </a:ext>
-                </a:extLst>
-              </p:cNvPr>
-              <p:cNvSpPr txBox="1"/>
-              <p:nvPr/>
-            </p:nvSpPr>
-            <p:spPr>
-              <a:xfrm>
-                <a:off x="76200" y="2278396"/>
-                <a:ext cx="3377452" cy="1016211"/>
-              </a:xfrm>
-              <a:prstGeom prst="rect">
-                <a:avLst/>
-              </a:prstGeom>
-              <a:noFill/>
-            </p:spPr>
-            <p:txBody>
-              <a:bodyPr wrap="square" rtlCol="0" anchor="ctr">
-                <a:noAutofit/>
-              </a:bodyPr>
-              <a:lstStyle/>
-              <a:p>
-                <a:pPr algn="r"/>
-                <a:r>
-                  <a:rPr lang="en-US" sz="1600" b="1" dirty="0">
-                    <a:latin typeface="Franklin Gothic Book" panose="020B0503020102020204" pitchFamily="34" charset="0"/>
-                  </a:rPr>
-                  <a:t>Install PowerShell Core</a:t>
-                </a:r>
-              </a:p>
-              <a:p>
-                <a:pPr algn="r"/>
-                <a:r>
-                  <a:rPr lang="en-US" sz="1200" dirty="0">
-                    <a:latin typeface="Franklin Gothic Book" panose="020B0503020102020204" pitchFamily="34" charset="0"/>
-                  </a:rPr>
-                  <a:t>Category description</a:t>
-                </a:r>
-              </a:p>
-            </p:txBody>
-          </p:sp>
-          <p:cxnSp>
-            <p:nvCxnSpPr>
-              <p:cNvPr id="12" name="Straight Connector 11">
-                <a:extLst>
-                  <a:ext uri="{FF2B5EF4-FFF2-40B4-BE49-F238E27FC236}">
-                    <a16:creationId xmlns:a16="http://schemas.microsoft.com/office/drawing/2014/main" id="{EA7B94EF-AEDE-EB6B-5050-0C8E520C9EBD}"/>
-                  </a:ext>
-                </a:extLst>
-              </p:cNvPr>
-              <p:cNvCxnSpPr>
-                <a:cxnSpLocks/>
-              </p:cNvCxnSpPr>
-              <p:nvPr/>
-            </p:nvCxnSpPr>
-            <p:spPr>
-              <a:xfrm>
-                <a:off x="3453652" y="2349472"/>
-                <a:ext cx="0" cy="874059"/>
-              </a:xfrm>
-              <a:prstGeom prst="line">
-                <a:avLst/>
-              </a:prstGeom>
-              <a:ln w="9525">
-                <a:solidFill>
-                  <a:srgbClr val="6D6E71"/>
-                </a:solidFill>
-              </a:ln>
-            </p:spPr>
-            <p:style>
-              <a:lnRef idx="1">
-                <a:schemeClr val="accent1"/>
-              </a:lnRef>
-              <a:fillRef idx="0">
-                <a:schemeClr val="accent1"/>
-              </a:fillRef>
-              <a:effectRef idx="0">
-                <a:schemeClr val="accent1"/>
-              </a:effectRef>
-              <a:fontRef idx="minor">
-                <a:schemeClr val="tx1"/>
-              </a:fontRef>
-            </p:style>
-          </p:cxnSp>
-        </p:grpSp>
-        <p:pic>
-          <p:nvPicPr>
-            <p:cNvPr id="45" name="Graphic 44">
-              <a:extLst>
-                <a:ext uri="{FF2B5EF4-FFF2-40B4-BE49-F238E27FC236}">
-                  <a16:creationId xmlns:a16="http://schemas.microsoft.com/office/drawing/2014/main" id="{727597D1-D8F0-E4C9-F585-49342ED840DA}"/>
-                </a:ext>
-              </a:extLst>
-            </p:cNvPr>
-            <p:cNvPicPr>
-              <a:picLocks noChangeAspect="1"/>
-            </p:cNvPicPr>
-            <p:nvPr/>
-          </p:nvPicPr>
-          <p:blipFill>
-            <a:blip r:embed="rId6">
-              <a:extLst>
-                <a:ext uri="{96DAC541-7B7A-43D3-8B79-37D633B846F1}">
-                  <asvg:svgBlip xmlns:asvg="http://schemas.microsoft.com/office/drawing/2016/SVG/main" r:embed="rId7"/>
-                </a:ext>
-              </a:extLst>
-            </a:blip>
-            <a:stretch>
-              <a:fillRect/>
-            </a:stretch>
-          </p:blipFill>
-          <p:spPr>
-            <a:xfrm>
-              <a:off x="82506" y="3509855"/>
-              <a:ext cx="749808" cy="562356"/>
-            </a:xfrm>
-            <a:prstGeom prst="rect">
-              <a:avLst/>
-            </a:prstGeom>
-          </p:spPr>
-        </p:pic>
-      </p:grpSp>
-      <p:grpSp>
-        <p:nvGrpSpPr>
-          <p:cNvPr id="61" name="Group 60">
-            <a:extLst>
-              <a:ext uri="{FF2B5EF4-FFF2-40B4-BE49-F238E27FC236}">
-                <a16:creationId xmlns:a16="http://schemas.microsoft.com/office/drawing/2014/main" id="{6A8DBDF4-F3AC-713B-15C9-5428CAD5DFD1}"/>
-              </a:ext>
-            </a:extLst>
-          </p:cNvPr>
-          <p:cNvGrpSpPr/>
-          <p:nvPr/>
-        </p:nvGrpSpPr>
-        <p:grpSpPr>
-          <a:xfrm>
-            <a:off x="3472015" y="676432"/>
-            <a:ext cx="4224185" cy="450424"/>
-            <a:chOff x="3472015" y="676432"/>
-            <a:chExt cx="4224185" cy="450424"/>
-          </a:xfrm>
-        </p:grpSpPr>
-        <p:grpSp>
-          <p:nvGrpSpPr>
-            <p:cNvPr id="60" name="Group 59">
-              <a:extLst>
-                <a:ext uri="{FF2B5EF4-FFF2-40B4-BE49-F238E27FC236}">
-                  <a16:creationId xmlns:a16="http://schemas.microsoft.com/office/drawing/2014/main" id="{99357AB6-D7DB-54DA-EFEF-E24531C03BE7}"/>
-                </a:ext>
-              </a:extLst>
-            </p:cNvPr>
-            <p:cNvGrpSpPr/>
-            <p:nvPr/>
-          </p:nvGrpSpPr>
-          <p:grpSpPr>
-            <a:xfrm>
-              <a:off x="4740915" y="676432"/>
-              <a:ext cx="1686385" cy="402336"/>
-              <a:chOff x="4784311" y="676432"/>
-              <a:chExt cx="1686385" cy="402336"/>
-            </a:xfrm>
-          </p:grpSpPr>
-          <p:pic>
-            <p:nvPicPr>
-              <p:cNvPr id="1028" name="Picture 4">
-                <a:extLst>
-                  <a:ext uri="{FF2B5EF4-FFF2-40B4-BE49-F238E27FC236}">
-                    <a16:creationId xmlns:a16="http://schemas.microsoft.com/office/drawing/2014/main" id="{2BF080F0-820D-1387-AB08-6D3E9A0A640B}"/>
-                  </a:ext>
-                </a:extLst>
-              </p:cNvPr>
-              <p:cNvPicPr>
-                <a:picLocks noChangeAspect="1" noChangeArrowheads="1"/>
-              </p:cNvPicPr>
-              <p:nvPr/>
-            </p:nvPicPr>
-            <p:blipFill>
-              <a:blip r:embed="rId8">
-                <a:extLst>
-                  <a:ext uri="{28A0092B-C50C-407E-A947-70E740481C1C}">
-                    <a14:useLocalDpi xmlns:a14="http://schemas.microsoft.com/office/drawing/2010/main" val="0"/>
-                  </a:ext>
-                </a:extLst>
-              </a:blip>
-              <a:srcRect/>
-              <a:stretch>
-                <a:fillRect/>
-              </a:stretch>
-            </p:blipFill>
-            <p:spPr bwMode="auto">
-              <a:xfrm>
-                <a:off x="4784311" y="676432"/>
-                <a:ext cx="402336" cy="402336"/>
-              </a:xfrm>
-              <a:prstGeom prst="rect">
-                <a:avLst/>
-              </a:prstGeom>
-              <a:noFill/>
-              <a:extLst>
-                <a:ext uri="{909E8E84-426E-40DD-AFC4-6F175D3DCCD1}">
-                  <a14:hiddenFill xmlns:a14="http://schemas.microsoft.com/office/drawing/2010/main">
-                    <a:solidFill>
-                      <a:srgbClr val="FFFFFF"/>
-                    </a:solidFill>
-                  </a14:hiddenFill>
-                </a:ext>
-              </a:extLst>
-            </p:spPr>
-          </p:pic>
-          <p:sp>
-            <p:nvSpPr>
-              <p:cNvPr id="30" name="TextBox 29">
-                <a:extLst>
-                  <a:ext uri="{FF2B5EF4-FFF2-40B4-BE49-F238E27FC236}">
-                    <a16:creationId xmlns:a16="http://schemas.microsoft.com/office/drawing/2014/main" id="{A46DABFE-FD04-71CE-30A2-B161101D9A9D}"/>
-                  </a:ext>
-                </a:extLst>
-              </p:cNvPr>
-              <p:cNvSpPr txBox="1"/>
-              <p:nvPr/>
-            </p:nvSpPr>
-            <p:spPr>
-              <a:xfrm>
-                <a:off x="5186647" y="677545"/>
-                <a:ext cx="1284049" cy="400110"/>
-              </a:xfrm>
-              <a:prstGeom prst="rect">
-                <a:avLst/>
-              </a:prstGeom>
-              <a:noFill/>
-            </p:spPr>
-            <p:txBody>
-              <a:bodyPr wrap="square">
-                <a:spAutoFit/>
-              </a:bodyPr>
-              <a:lstStyle/>
-              <a:p>
-                <a:r>
-                  <a:rPr lang="en-US" sz="2000" dirty="0"/>
-                  <a:t>Windows</a:t>
-                </a:r>
-              </a:p>
-            </p:txBody>
-          </p:sp>
-        </p:grpSp>
-        <p:cxnSp>
-          <p:nvCxnSpPr>
-            <p:cNvPr id="56" name="Straight Connector 55">
-              <a:extLst>
-                <a:ext uri="{FF2B5EF4-FFF2-40B4-BE49-F238E27FC236}">
-                  <a16:creationId xmlns:a16="http://schemas.microsoft.com/office/drawing/2014/main" id="{4F602423-7286-8FBE-392F-637DD26404EC}"/>
-                </a:ext>
-              </a:extLst>
-            </p:cNvPr>
-            <p:cNvCxnSpPr>
-              <a:cxnSpLocks/>
-            </p:cNvCxnSpPr>
-            <p:nvPr/>
-          </p:nvCxnSpPr>
-          <p:spPr>
-            <a:xfrm>
-              <a:off x="3472015" y="1126856"/>
-              <a:ext cx="4224185" cy="0"/>
-            </a:xfrm>
-            <a:prstGeom prst="line">
-              <a:avLst/>
-            </a:prstGeom>
-            <a:ln w="9525">
-              <a:solidFill>
-                <a:srgbClr val="6D6E71"/>
-              </a:solidFill>
-            </a:ln>
-          </p:spPr>
-          <p:style>
-            <a:lnRef idx="1">
-              <a:schemeClr val="accent1"/>
-            </a:lnRef>
-            <a:fillRef idx="0">
-              <a:schemeClr val="accent1"/>
-            </a:fillRef>
-            <a:effectRef idx="0">
-              <a:schemeClr val="accent1"/>
-            </a:effectRef>
-            <a:fontRef idx="minor">
-              <a:schemeClr val="tx1"/>
-            </a:fontRef>
-          </p:style>
-        </p:cxnSp>
-      </p:grpSp>
-      <p:grpSp>
-        <p:nvGrpSpPr>
-          <p:cNvPr id="1034" name="Group 1033">
-            <a:extLst>
-              <a:ext uri="{FF2B5EF4-FFF2-40B4-BE49-F238E27FC236}">
-                <a16:creationId xmlns:a16="http://schemas.microsoft.com/office/drawing/2014/main" id="{EC2B83B9-0027-F662-2EF1-16591C040E9C}"/>
-              </a:ext>
-            </a:extLst>
-          </p:cNvPr>
-          <p:cNvGrpSpPr/>
-          <p:nvPr/>
-        </p:nvGrpSpPr>
-        <p:grpSpPr>
-          <a:xfrm>
-            <a:off x="7890596" y="676432"/>
-            <a:ext cx="4224185" cy="450282"/>
-            <a:chOff x="7890596" y="676432"/>
-            <a:chExt cx="4224185" cy="450282"/>
-          </a:xfrm>
-        </p:grpSpPr>
-        <p:grpSp>
-          <p:nvGrpSpPr>
-            <p:cNvPr id="1033" name="Group 1032">
-              <a:extLst>
-                <a:ext uri="{FF2B5EF4-FFF2-40B4-BE49-F238E27FC236}">
-                  <a16:creationId xmlns:a16="http://schemas.microsoft.com/office/drawing/2014/main" id="{E99FEBCF-8A4F-8924-766D-19DA248DE720}"/>
-                </a:ext>
-              </a:extLst>
-            </p:cNvPr>
-            <p:cNvGrpSpPr/>
-            <p:nvPr/>
-          </p:nvGrpSpPr>
-          <p:grpSpPr>
-            <a:xfrm>
-              <a:off x="8654669" y="676432"/>
-              <a:ext cx="2696038" cy="402336"/>
-              <a:chOff x="8184821" y="676432"/>
-              <a:chExt cx="2696038" cy="402336"/>
-            </a:xfrm>
-          </p:grpSpPr>
-          <p:grpSp>
-            <p:nvGrpSpPr>
-              <p:cNvPr id="1032" name="Group 1031">
-                <a:extLst>
-                  <a:ext uri="{FF2B5EF4-FFF2-40B4-BE49-F238E27FC236}">
-                    <a16:creationId xmlns:a16="http://schemas.microsoft.com/office/drawing/2014/main" id="{A980D3BF-4570-B4AC-A1F2-F8D58F7601CF}"/>
-                  </a:ext>
-                </a:extLst>
-              </p:cNvPr>
-              <p:cNvGrpSpPr/>
-              <p:nvPr/>
-            </p:nvGrpSpPr>
-            <p:grpSpPr>
-              <a:xfrm>
-                <a:off x="9623684" y="676432"/>
-                <a:ext cx="1257175" cy="402336"/>
-                <a:chOff x="9623684" y="676432"/>
-                <a:chExt cx="1257175" cy="402336"/>
-              </a:xfrm>
-            </p:grpSpPr>
-            <p:pic>
-              <p:nvPicPr>
-                <p:cNvPr id="1026" name="Picture 2">
-                  <a:extLst>
-                    <a:ext uri="{FF2B5EF4-FFF2-40B4-BE49-F238E27FC236}">
-                      <a16:creationId xmlns:a16="http://schemas.microsoft.com/office/drawing/2014/main" id="{8138716E-AEC5-21CA-B4FA-EC951BDA06DA}"/>
-                    </a:ext>
-                  </a:extLst>
-                </p:cNvPr>
-                <p:cNvPicPr>
-                  <a:picLocks noChangeAspect="1" noChangeArrowheads="1"/>
-                </p:cNvPicPr>
-                <p:nvPr/>
-              </p:nvPicPr>
-              <p:blipFill>
-                <a:blip r:embed="rId9">
-                  <a:extLst>
-                    <a:ext uri="{28A0092B-C50C-407E-A947-70E740481C1C}">
-                      <a14:useLocalDpi xmlns:a14="http://schemas.microsoft.com/office/drawing/2010/main" val="0"/>
-                    </a:ext>
-                  </a:extLst>
-                </a:blip>
-                <a:srcRect/>
-                <a:stretch>
-                  <a:fillRect/>
-                </a:stretch>
-              </p:blipFill>
-              <p:spPr bwMode="auto">
-                <a:xfrm>
-                  <a:off x="9623684" y="676432"/>
-                  <a:ext cx="335280" cy="402336"/>
-                </a:xfrm>
-                <a:prstGeom prst="rect">
-                  <a:avLst/>
-                </a:prstGeom>
-                <a:noFill/>
-                <a:extLst>
-                  <a:ext uri="{909E8E84-426E-40DD-AFC4-6F175D3DCCD1}">
-                    <a14:hiddenFill xmlns:a14="http://schemas.microsoft.com/office/drawing/2010/main">
-                      <a:solidFill>
-                        <a:srgbClr val="FFFFFF"/>
-                      </a:solidFill>
-                    </a14:hiddenFill>
-                  </a:ext>
-                </a:extLst>
-              </p:spPr>
-            </p:pic>
-            <p:sp>
-              <p:nvSpPr>
-                <p:cNvPr id="31" name="TextBox 30">
-                  <a:extLst>
-                    <a:ext uri="{FF2B5EF4-FFF2-40B4-BE49-F238E27FC236}">
-                      <a16:creationId xmlns:a16="http://schemas.microsoft.com/office/drawing/2014/main" id="{386A9B57-7576-1C08-505D-2B9D4B6CD827}"/>
-                    </a:ext>
-                  </a:extLst>
-                </p:cNvPr>
-                <p:cNvSpPr txBox="1"/>
-                <p:nvPr/>
-              </p:nvSpPr>
-              <p:spPr>
-                <a:xfrm>
-                  <a:off x="9966459" y="677545"/>
-                  <a:ext cx="914400" cy="400110"/>
-                </a:xfrm>
-                <a:prstGeom prst="rect">
-                  <a:avLst/>
-                </a:prstGeom>
-                <a:noFill/>
-              </p:spPr>
-              <p:txBody>
-                <a:bodyPr wrap="square">
-                  <a:spAutoFit/>
-                </a:bodyPr>
-                <a:lstStyle/>
-                <a:p>
-                  <a:r>
-                    <a:rPr lang="en-US" sz="2000" dirty="0"/>
-                    <a:t>Linux</a:t>
-                  </a:r>
-                </a:p>
-              </p:txBody>
-            </p:sp>
-          </p:grpSp>
-          <p:grpSp>
-            <p:nvGrpSpPr>
-              <p:cNvPr id="1031" name="Group 1030">
-                <a:extLst>
-                  <a:ext uri="{FF2B5EF4-FFF2-40B4-BE49-F238E27FC236}">
-                    <a16:creationId xmlns:a16="http://schemas.microsoft.com/office/drawing/2014/main" id="{AAF683E6-21BA-49A3-D455-C3C44F50B6C2}"/>
-                  </a:ext>
-                </a:extLst>
-              </p:cNvPr>
-              <p:cNvGrpSpPr/>
-              <p:nvPr/>
-            </p:nvGrpSpPr>
-            <p:grpSpPr>
-              <a:xfrm>
-                <a:off x="8184821" y="676432"/>
-                <a:ext cx="1251812" cy="402336"/>
-                <a:chOff x="7979081" y="676432"/>
-                <a:chExt cx="1251812" cy="402336"/>
-              </a:xfrm>
-            </p:grpSpPr>
-            <p:pic>
-              <p:nvPicPr>
-                <p:cNvPr id="27" name="Graphic 26">
-                  <a:extLst>
-                    <a:ext uri="{FF2B5EF4-FFF2-40B4-BE49-F238E27FC236}">
-                      <a16:creationId xmlns:a16="http://schemas.microsoft.com/office/drawing/2014/main" id="{6CEB9071-7BD3-B817-0F8E-4A45BEC3F1D8}"/>
-                    </a:ext>
-                  </a:extLst>
-                </p:cNvPr>
-                <p:cNvPicPr>
-                  <a:picLocks noChangeAspect="1"/>
-                </p:cNvPicPr>
-                <p:nvPr/>
-              </p:nvPicPr>
-              <p:blipFill>
-                <a:blip r:embed="rId10">
-                  <a:extLst>
-                    <a:ext uri="{96DAC541-7B7A-43D3-8B79-37D633B846F1}">
-                      <asvg:svgBlip xmlns:asvg="http://schemas.microsoft.com/office/drawing/2016/SVG/main" r:embed="rId11"/>
-                    </a:ext>
-                  </a:extLst>
-                </a:blip>
-                <a:stretch>
-                  <a:fillRect/>
-                </a:stretch>
-              </p:blipFill>
-              <p:spPr>
-                <a:xfrm>
-                  <a:off x="7979081" y="676432"/>
-                  <a:ext cx="329916" cy="402336"/>
-                </a:xfrm>
-                <a:prstGeom prst="rect">
-                  <a:avLst/>
-                </a:prstGeom>
-              </p:spPr>
-            </p:pic>
-            <p:sp>
-              <p:nvSpPr>
-                <p:cNvPr id="32" name="TextBox 31">
-                  <a:extLst>
-                    <a:ext uri="{FF2B5EF4-FFF2-40B4-BE49-F238E27FC236}">
-                      <a16:creationId xmlns:a16="http://schemas.microsoft.com/office/drawing/2014/main" id="{17370A9C-CB16-B125-D8D0-B6A48368D2F7}"/>
-                    </a:ext>
-                  </a:extLst>
-                </p:cNvPr>
-                <p:cNvSpPr txBox="1"/>
-                <p:nvPr/>
-              </p:nvSpPr>
-              <p:spPr>
-                <a:xfrm>
-                  <a:off x="8316493" y="677545"/>
-                  <a:ext cx="914400" cy="400110"/>
-                </a:xfrm>
-                <a:prstGeom prst="rect">
-                  <a:avLst/>
-                </a:prstGeom>
-                <a:noFill/>
-              </p:spPr>
-              <p:txBody>
-                <a:bodyPr wrap="square">
-                  <a:spAutoFit/>
-                </a:bodyPr>
-                <a:lstStyle/>
-                <a:p>
-                  <a:r>
-                    <a:rPr lang="en-US" sz="2000" dirty="0"/>
-                    <a:t>Mac</a:t>
-                  </a:r>
-                </a:p>
-              </p:txBody>
-            </p:sp>
-          </p:grpSp>
-        </p:grpSp>
-        <p:cxnSp>
-          <p:nvCxnSpPr>
-            <p:cNvPr id="59" name="Straight Connector 58">
-              <a:extLst>
-                <a:ext uri="{FF2B5EF4-FFF2-40B4-BE49-F238E27FC236}">
-                  <a16:creationId xmlns:a16="http://schemas.microsoft.com/office/drawing/2014/main" id="{FE25FAF9-3139-D883-890F-81604DA7E4B3}"/>
-                </a:ext>
-              </a:extLst>
-            </p:cNvPr>
-            <p:cNvCxnSpPr>
-              <a:cxnSpLocks/>
-            </p:cNvCxnSpPr>
-            <p:nvPr/>
-          </p:nvCxnSpPr>
-          <p:spPr>
-            <a:xfrm>
-              <a:off x="7890596" y="1126714"/>
-              <a:ext cx="4224185" cy="0"/>
-            </a:xfrm>
-            <a:prstGeom prst="line">
-              <a:avLst/>
-            </a:prstGeom>
-            <a:ln w="9525">
-              <a:solidFill>
-                <a:srgbClr val="6D6E71"/>
-              </a:solidFill>
-            </a:ln>
-          </p:spPr>
-          <p:style>
-            <a:lnRef idx="1">
-              <a:schemeClr val="accent1"/>
-            </a:lnRef>
-            <a:fillRef idx="0">
-              <a:schemeClr val="accent1"/>
-            </a:fillRef>
-            <a:effectRef idx="0">
-              <a:schemeClr val="accent1"/>
-            </a:effectRef>
-            <a:fontRef idx="minor">
-              <a:schemeClr val="tx1"/>
-            </a:fontRef>
-          </p:style>
-        </p:cxnSp>
-      </p:grpSp>
-      <p:sp>
-        <p:nvSpPr>
-          <p:cNvPr id="1029" name="Rectangle: Rounded Corners 1028">
-            <a:extLst>
-              <a:ext uri="{FF2B5EF4-FFF2-40B4-BE49-F238E27FC236}">
-                <a16:creationId xmlns:a16="http://schemas.microsoft.com/office/drawing/2014/main" id="{21062AFE-F664-098C-0A86-4E39A3E5115D}"/>
-              </a:ext>
-            </a:extLst>
-          </p:cNvPr>
-          <p:cNvSpPr/>
-          <p:nvPr/>
-        </p:nvSpPr>
-        <p:spPr>
-          <a:xfrm>
-            <a:off x="3822431" y="5246456"/>
-            <a:ext cx="3523351" cy="1015597"/>
-          </a:xfrm>
-          <a:prstGeom prst="roundRect">
-            <a:avLst/>
-          </a:prstGeom>
-          <a:blipFill>
-            <a:blip r:embed="rId12"/>
-            <a:stretch>
-              <a:fillRect/>
-            </a:stretch>
-          </a:blipFill>
-          <a:ln>
-            <a:noFill/>
-          </a:ln>
-          <a:effectLst>
-            <a:outerShdw blurRad="50800" dist="38100" dir="2700000" algn="tl" rotWithShape="0">
-              <a:prstClr val="black">
-                <a:alpha val="40000"/>
-              </a:prstClr>
-            </a:outerShdw>
-          </a:effectLst>
-        </p:spPr>
-        <p:style>
-          <a:lnRef idx="2">
-            <a:schemeClr val="accent1">
-              <a:shade val="50000"/>
-            </a:schemeClr>
-          </a:lnRef>
-          <a:fillRef idx="1">
-            <a:schemeClr val="accent1"/>
-          </a:fillRef>
-          <a:effectRef idx="0">
-            <a:schemeClr val="accent1"/>
-          </a:effectRef>
-          <a:fontRef idx="minor">
-            <a:schemeClr val="lt1"/>
-          </a:fontRef>
-        </p:style>
-        <p:txBody>
-          <a:bodyPr rtlCol="0" anchor="ctr"/>
-          <a:lstStyle/>
-          <a:p>
-            <a:pPr algn="ctr"/>
-            <a:endParaRPr lang="en-US"/>
-          </a:p>
-        </p:txBody>
-      </p:sp>
-      <p:sp>
-        <p:nvSpPr>
-          <p:cNvPr id="1030" name="TextBox 1029">
-            <a:extLst>
-              <a:ext uri="{FF2B5EF4-FFF2-40B4-BE49-F238E27FC236}">
-                <a16:creationId xmlns:a16="http://schemas.microsoft.com/office/drawing/2014/main" id="{B0D5AE85-DAEE-826C-28F1-DFEABE76B03B}"/>
-              </a:ext>
-            </a:extLst>
-          </p:cNvPr>
-          <p:cNvSpPr txBox="1"/>
-          <p:nvPr/>
-        </p:nvSpPr>
-        <p:spPr>
-          <a:xfrm>
-            <a:off x="7924955" y="4250051"/>
-            <a:ext cx="4095907" cy="307777"/>
-          </a:xfrm>
-          <a:prstGeom prst="rect">
-            <a:avLst/>
-          </a:prstGeom>
-          <a:noFill/>
-        </p:spPr>
-        <p:txBody>
-          <a:bodyPr wrap="square">
-            <a:spAutoFit/>
-          </a:bodyPr>
-          <a:lstStyle/>
-          <a:p>
-            <a:pPr algn="ctr"/>
-            <a:r>
-              <a:rPr lang="en-US" sz="1400" dirty="0"/>
-              <a:t>https://github.com/PowerShell/PowerShell</a:t>
-            </a:r>
-          </a:p>
-        </p:txBody>
-      </p:sp>
-      <p:sp>
-        <p:nvSpPr>
-          <p:cNvPr id="13" name="Rectangle 12">
-            <a:extLst>
-              <a:ext uri="{FF2B5EF4-FFF2-40B4-BE49-F238E27FC236}">
-                <a16:creationId xmlns:a16="http://schemas.microsoft.com/office/drawing/2014/main" id="{014FD63C-5681-CA60-0C4F-F4D7839567E3}"/>
-              </a:ext>
-            </a:extLst>
-          </p:cNvPr>
-          <p:cNvSpPr/>
-          <p:nvPr/>
-        </p:nvSpPr>
-        <p:spPr>
-          <a:xfrm>
-            <a:off x="76199" y="1166607"/>
-            <a:ext cx="12048393" cy="3816511"/>
-          </a:xfrm>
-          <a:prstGeom prst="rect">
-            <a:avLst/>
-          </a:prstGeom>
-          <a:solidFill>
-            <a:schemeClr val="bg1">
-              <a:alpha val="60000"/>
-            </a:schemeClr>
-          </a:solidFill>
-          <a:ln>
-            <a:noFill/>
-          </a:ln>
-        </p:spPr>
-        <p:style>
-          <a:lnRef idx="2">
-            <a:schemeClr val="accent1">
-              <a:shade val="50000"/>
-            </a:schemeClr>
-          </a:lnRef>
-          <a:fillRef idx="1">
-            <a:schemeClr val="accent1"/>
-          </a:fillRef>
-          <a:effectRef idx="0">
-            <a:schemeClr val="accent1"/>
-          </a:effectRef>
-          <a:fontRef idx="minor">
-            <a:schemeClr val="lt1"/>
-          </a:fontRef>
-        </p:style>
-        <p:txBody>
-          <a:bodyPr rtlCol="0" anchor="ctr"/>
-          <a:lstStyle/>
-          <a:p>
-            <a:pPr algn="ctr"/>
-            <a:endParaRPr lang="en-US"/>
-          </a:p>
-        </p:txBody>
-      </p:sp>
-    </p:spTree>
-    <p:extLst>
-      <p:ext uri="{BB962C8B-B14F-4D97-AF65-F5344CB8AC3E}">
-        <p14:creationId xmlns:p14="http://schemas.microsoft.com/office/powerpoint/2010/main" val="671384436"/>
-      </p:ext>
-    </p:extLst>
-  </p:cSld>
-  <p:clrMapOvr>
-    <a:masterClrMapping/>
-  </p:clrMapOvr>
-</p:sld>
-</file>
-
-<file path=ppt/slides/slide11.xml><?xml version="1.0" encoding="utf-8"?>
-<p:sld xmlns:a="http://schemas.openxmlformats.org/drawingml/2006/main" xmlns:r="http://schemas.openxmlformats.org/officeDocument/2006/relationships" xmlns:p="http://schemas.openxmlformats.org/presentationml/2006/main">
-  <p:cSld>
-    <p:spTree>
-      <p:nvGrpSpPr>
-        <p:cNvPr id="1" name=""/>
-        <p:cNvGrpSpPr/>
-        <p:nvPr/>
-      </p:nvGrpSpPr>
-      <p:grpSpPr>
-        <a:xfrm>
-          <a:off x="0" y="0"/>
-          <a:ext cx="0" cy="0"/>
-          <a:chOff x="0" y="0"/>
-          <a:chExt cx="0" cy="0"/>
-        </a:xfrm>
-      </p:grpSpPr>
       <p:sp>
         <p:nvSpPr>
           <p:cNvPr id="2" name="Title 1">
@@ -4943,7 +3470,7 @@
 </p:sld>
 </file>
 
-<file path=ppt/slides/slide12.xml><?xml version="1.0" encoding="utf-8"?>
+<file path=ppt/slides/slide11.xml><?xml version="1.0" encoding="utf-8"?>
 <p:sld xmlns:a="http://schemas.openxmlformats.org/drawingml/2006/main" xmlns:r="http://schemas.openxmlformats.org/officeDocument/2006/relationships" xmlns:p="http://schemas.openxmlformats.org/presentationml/2006/main">
   <p:cSld>
     <p:spTree>
@@ -5031,7 +3558,7 @@
 </p:sld>
 </file>
 
-<file path=ppt/slides/slide13.xml><?xml version="1.0" encoding="utf-8"?>
+<file path=ppt/slides/slide12.xml><?xml version="1.0" encoding="utf-8"?>
 <p:sld xmlns:a="http://schemas.openxmlformats.org/drawingml/2006/main" xmlns:r="http://schemas.openxmlformats.org/officeDocument/2006/relationships" xmlns:p="http://schemas.openxmlformats.org/presentationml/2006/main">
   <p:cSld>
     <p:spTree>
@@ -5222,7 +3749,7 @@
 </p:sld>
 </file>
 
-<file path=ppt/slides/slide14.xml><?xml version="1.0" encoding="utf-8"?>
+<file path=ppt/slides/slide13.xml><?xml version="1.0" encoding="utf-8"?>
 <p:sld xmlns:a="http://schemas.openxmlformats.org/drawingml/2006/main" xmlns:r="http://schemas.openxmlformats.org/officeDocument/2006/relationships" xmlns:p="http://schemas.openxmlformats.org/presentationml/2006/main">
   <p:cSld>
     <p:spTree>
@@ -5597,7 +4124,7 @@
 </p:sld>
 </file>
 
-<file path=ppt/slides/slide15.xml><?xml version="1.0" encoding="utf-8"?>
+<file path=ppt/slides/slide14.xml><?xml version="1.0" encoding="utf-8"?>
 <p:sld xmlns:a="http://schemas.openxmlformats.org/drawingml/2006/main" xmlns:r="http://schemas.openxmlformats.org/officeDocument/2006/relationships" xmlns:p="http://schemas.openxmlformats.org/presentationml/2006/main">
   <p:cSld>
     <p:spTree>
@@ -5864,7 +4391,7 @@
 </p:sld>
 </file>
 
-<file path=ppt/slides/slide16.xml><?xml version="1.0" encoding="utf-8"?>
+<file path=ppt/slides/slide15.xml><?xml version="1.0" encoding="utf-8"?>
 <p:sld xmlns:a="http://schemas.openxmlformats.org/drawingml/2006/main" xmlns:r="http://schemas.openxmlformats.org/officeDocument/2006/relationships" xmlns:p="http://schemas.openxmlformats.org/presentationml/2006/main">
   <p:cSld>
     <p:spTree>
@@ -6361,7 +4888,7 @@
 </p:sld>
 </file>
 
-<file path=ppt/slides/slide17.xml><?xml version="1.0" encoding="utf-8"?>
+<file path=ppt/slides/slide16.xml><?xml version="1.0" encoding="utf-8"?>
 <p:sld xmlns:a="http://schemas.openxmlformats.org/drawingml/2006/main" xmlns:r="http://schemas.openxmlformats.org/officeDocument/2006/relationships" xmlns:p="http://schemas.openxmlformats.org/presentationml/2006/main">
   <p:cSld>
     <p:spTree>
@@ -6905,7 +5432,7 @@
 </p:sld>
 </file>
 
-<file path=ppt/slides/slide18.xml><?xml version="1.0" encoding="utf-8"?>
+<file path=ppt/slides/slide17.xml><?xml version="1.0" encoding="utf-8"?>
 <p:sld xmlns:a="http://schemas.openxmlformats.org/drawingml/2006/main" xmlns:r="http://schemas.openxmlformats.org/officeDocument/2006/relationships" xmlns:p="http://schemas.openxmlformats.org/presentationml/2006/main">
   <p:cSld>
     <p:spTree>
@@ -7672,7 +6199,7 @@
 </p:sld>
 </file>
 
-<file path=ppt/slides/slide19.xml><?xml version="1.0" encoding="utf-8"?>
+<file path=ppt/slides/slide18.xml><?xml version="1.0" encoding="utf-8"?>
 <p:sld xmlns:a="http://schemas.openxmlformats.org/drawingml/2006/main" xmlns:r="http://schemas.openxmlformats.org/officeDocument/2006/relationships" xmlns:p="http://schemas.openxmlformats.org/presentationml/2006/main">
   <p:cSld>
     <p:spTree>
@@ -8594,372 +7121,7 @@
 </p:sld>
 </file>
 
-<file path=ppt/slides/slide2.xml><?xml version="1.0" encoding="utf-8"?>
-<p:sld xmlns:a="http://schemas.openxmlformats.org/drawingml/2006/main" xmlns:r="http://schemas.openxmlformats.org/officeDocument/2006/relationships" xmlns:p="http://schemas.openxmlformats.org/presentationml/2006/main">
-  <p:cSld>
-    <p:spTree>
-      <p:nvGrpSpPr>
-        <p:cNvPr id="1" name=""/>
-        <p:cNvGrpSpPr/>
-        <p:nvPr/>
-      </p:nvGrpSpPr>
-      <p:grpSpPr>
-        <a:xfrm>
-          <a:off x="0" y="0"/>
-          <a:ext cx="0" cy="0"/>
-          <a:chOff x="0" y="0"/>
-          <a:chExt cx="0" cy="0"/>
-        </a:xfrm>
-      </p:grpSpPr>
-      <p:sp>
-        <p:nvSpPr>
-          <p:cNvPr id="2" name="Title 1">
-            <a:extLst>
-              <a:ext uri="{FF2B5EF4-FFF2-40B4-BE49-F238E27FC236}">
-                <a16:creationId xmlns:a16="http://schemas.microsoft.com/office/drawing/2014/main" id="{AB6474BF-FAF4-9F79-1D36-E95102F39B8D}"/>
-              </a:ext>
-            </a:extLst>
-          </p:cNvPr>
-          <p:cNvSpPr>
-            <a:spLocks noGrp="1"/>
-          </p:cNvSpPr>
-          <p:nvPr>
-            <p:ph type="title"/>
-          </p:nvPr>
-        </p:nvSpPr>
-        <p:spPr/>
-        <p:txBody>
-          <a:bodyPr/>
-          <a:lstStyle/>
-          <a:p>
-            <a:r>
-              <a:rPr lang="en-US" dirty="0"/>
-              <a:t>Path</a:t>
-            </a:r>
-            <a:endParaRPr lang="en-US"/>
-          </a:p>
-        </p:txBody>
-      </p:sp>
-      <p:sp>
-        <p:nvSpPr>
-          <p:cNvPr id="4" name="TextBox 3">
-            <a:extLst>
-              <a:ext uri="{FF2B5EF4-FFF2-40B4-BE49-F238E27FC236}">
-                <a16:creationId xmlns:a16="http://schemas.microsoft.com/office/drawing/2014/main" id="{9219B571-9DAD-DC35-532B-E05B180FC03C}"/>
-              </a:ext>
-            </a:extLst>
-          </p:cNvPr>
-          <p:cNvSpPr txBox="1"/>
-          <p:nvPr/>
-        </p:nvSpPr>
-        <p:spPr>
-          <a:xfrm>
-            <a:off x="4730379" y="1341106"/>
-            <a:ext cx="3479504" cy="369332"/>
-          </a:xfrm>
-          <a:prstGeom prst="rect">
-            <a:avLst/>
-          </a:prstGeom>
-          <a:noFill/>
-        </p:spPr>
-        <p:txBody>
-          <a:bodyPr wrap="square">
-            <a:spAutoFit/>
-          </a:bodyPr>
-          <a:lstStyle/>
-          <a:p>
-            <a:r>
-              <a:rPr lang="en-US" sz="1800" dirty="0"/>
-              <a:t>What are these new tools?</a:t>
-            </a:r>
-            <a:endParaRPr lang="en-US" dirty="0"/>
-          </a:p>
-        </p:txBody>
-      </p:sp>
-      <p:sp>
-        <p:nvSpPr>
-          <p:cNvPr id="6" name="TextBox 5">
-            <a:extLst>
-              <a:ext uri="{FF2B5EF4-FFF2-40B4-BE49-F238E27FC236}">
-                <a16:creationId xmlns:a16="http://schemas.microsoft.com/office/drawing/2014/main" id="{A3EA167C-53DE-44DA-FF4A-B32C21276253}"/>
-              </a:ext>
-            </a:extLst>
-          </p:cNvPr>
-          <p:cNvSpPr txBox="1"/>
-          <p:nvPr/>
-        </p:nvSpPr>
-        <p:spPr>
-          <a:xfrm>
-            <a:off x="4730379" y="2609925"/>
-            <a:ext cx="3479504" cy="369332"/>
-          </a:xfrm>
-          <a:prstGeom prst="rect">
-            <a:avLst/>
-          </a:prstGeom>
-          <a:noFill/>
-        </p:spPr>
-        <p:txBody>
-          <a:bodyPr wrap="square">
-            <a:spAutoFit/>
-          </a:bodyPr>
-          <a:lstStyle/>
-          <a:p>
-            <a:r>
-              <a:rPr lang="en-US" dirty="0">
-                <a:solidFill>
-                  <a:schemeClr val="tx1">
-                    <a:lumMod val="50000"/>
-                    <a:lumOff val="50000"/>
-                  </a:schemeClr>
-                </a:solidFill>
-              </a:rPr>
-              <a:t>How can you get started?</a:t>
-            </a:r>
-          </a:p>
-        </p:txBody>
-      </p:sp>
-      <p:sp>
-        <p:nvSpPr>
-          <p:cNvPr id="8" name="TextBox 7">
-            <a:extLst>
-              <a:ext uri="{FF2B5EF4-FFF2-40B4-BE49-F238E27FC236}">
-                <a16:creationId xmlns:a16="http://schemas.microsoft.com/office/drawing/2014/main" id="{B8A3ADCA-5EB2-D659-36A3-5AFA9F0B2DAE}"/>
-              </a:ext>
-            </a:extLst>
-          </p:cNvPr>
-          <p:cNvSpPr txBox="1"/>
-          <p:nvPr/>
-        </p:nvSpPr>
-        <p:spPr>
-          <a:xfrm>
-            <a:off x="4730379" y="3878744"/>
-            <a:ext cx="3479504" cy="369332"/>
-          </a:xfrm>
-          <a:prstGeom prst="rect">
-            <a:avLst/>
-          </a:prstGeom>
-          <a:noFill/>
-        </p:spPr>
-        <p:txBody>
-          <a:bodyPr wrap="square">
-            <a:spAutoFit/>
-          </a:bodyPr>
-          <a:lstStyle/>
-          <a:p>
-            <a:r>
-              <a:rPr lang="en-US" dirty="0">
-                <a:solidFill>
-                  <a:schemeClr val="tx1">
-                    <a:lumMod val="50000"/>
-                    <a:lumOff val="50000"/>
-                  </a:schemeClr>
-                </a:solidFill>
-              </a:rPr>
-              <a:t>How can you use this? (Demo)</a:t>
-            </a:r>
-          </a:p>
-        </p:txBody>
-      </p:sp>
-      <p:sp>
-        <p:nvSpPr>
-          <p:cNvPr id="10" name="TextBox 9">
-            <a:extLst>
-              <a:ext uri="{FF2B5EF4-FFF2-40B4-BE49-F238E27FC236}">
-                <a16:creationId xmlns:a16="http://schemas.microsoft.com/office/drawing/2014/main" id="{90C0A214-2DCD-495E-1D79-D08B86FB7B2F}"/>
-              </a:ext>
-            </a:extLst>
-          </p:cNvPr>
-          <p:cNvSpPr txBox="1"/>
-          <p:nvPr/>
-        </p:nvSpPr>
-        <p:spPr>
-          <a:xfrm>
-            <a:off x="4730379" y="5147562"/>
-            <a:ext cx="3479504" cy="369332"/>
-          </a:xfrm>
-          <a:prstGeom prst="rect">
-            <a:avLst/>
-          </a:prstGeom>
-          <a:noFill/>
-        </p:spPr>
-        <p:txBody>
-          <a:bodyPr wrap="square">
-            <a:spAutoFit/>
-          </a:bodyPr>
-          <a:lstStyle/>
-          <a:p>
-            <a:r>
-              <a:rPr lang="en-US" dirty="0">
-                <a:solidFill>
-                  <a:schemeClr val="tx1">
-                    <a:lumMod val="50000"/>
-                    <a:lumOff val="50000"/>
-                  </a:schemeClr>
-                </a:solidFill>
-              </a:rPr>
-              <a:t>What else can you do? (Demo)</a:t>
-            </a:r>
-          </a:p>
-        </p:txBody>
-      </p:sp>
-      <p:pic>
-        <p:nvPicPr>
-          <p:cNvPr id="13" name="Graphic 12" descr="Tools outline">
-            <a:extLst>
-              <a:ext uri="{FF2B5EF4-FFF2-40B4-BE49-F238E27FC236}">
-                <a16:creationId xmlns:a16="http://schemas.microsoft.com/office/drawing/2014/main" id="{48599B8F-5F12-1D98-9BF2-61F8D06DC5BA}"/>
-              </a:ext>
-            </a:extLst>
-          </p:cNvPr>
-          <p:cNvPicPr>
-            <a:picLocks noChangeAspect="1"/>
-          </p:cNvPicPr>
-          <p:nvPr/>
-        </p:nvPicPr>
-        <p:blipFill>
-          <a:blip r:embed="rId2">
-            <a:extLst>
-              <a:ext uri="{96DAC541-7B7A-43D3-8B79-37D633B846F1}">
-                <asvg:svgBlip xmlns:asvg="http://schemas.microsoft.com/office/drawing/2016/SVG/main" r:embed="rId3"/>
-              </a:ext>
-            </a:extLst>
-          </a:blip>
-          <a:stretch>
-            <a:fillRect/>
-          </a:stretch>
-        </p:blipFill>
-        <p:spPr>
-          <a:xfrm>
-            <a:off x="3982117" y="1182872"/>
-            <a:ext cx="685800" cy="685800"/>
-          </a:xfrm>
-          <a:prstGeom prst="rect">
-            <a:avLst/>
-          </a:prstGeom>
-        </p:spPr>
-      </p:pic>
-      <p:pic>
-        <p:nvPicPr>
-          <p:cNvPr id="15" name="Graphic 14" descr="Race Car outline">
-            <a:extLst>
-              <a:ext uri="{FF2B5EF4-FFF2-40B4-BE49-F238E27FC236}">
-                <a16:creationId xmlns:a16="http://schemas.microsoft.com/office/drawing/2014/main" id="{4414D8E5-BE01-D1E4-076E-AA806003A2DD}"/>
-              </a:ext>
-            </a:extLst>
-          </p:cNvPr>
-          <p:cNvPicPr>
-            <a:picLocks noChangeAspect="1"/>
-          </p:cNvPicPr>
-          <p:nvPr/>
-        </p:nvPicPr>
-        <p:blipFill>
-          <a:blip r:embed="rId4">
-            <a:extLst>
-              <a:ext uri="{96DAC541-7B7A-43D3-8B79-37D633B846F1}">
-                <asvg:svgBlip xmlns:asvg="http://schemas.microsoft.com/office/drawing/2016/SVG/main" r:embed="rId5"/>
-              </a:ext>
-            </a:extLst>
-          </a:blip>
-          <a:stretch>
-            <a:fillRect/>
-          </a:stretch>
-        </p:blipFill>
-        <p:spPr>
-          <a:xfrm>
-            <a:off x="3982117" y="2451691"/>
-            <a:ext cx="685800" cy="685800"/>
-          </a:xfrm>
-          <a:prstGeom prst="rect">
-            <a:avLst/>
-          </a:prstGeom>
-        </p:spPr>
-      </p:pic>
-      <p:pic>
-        <p:nvPicPr>
-          <p:cNvPr id="17" name="Graphic 16" descr="Aspiration outline">
-            <a:extLst>
-              <a:ext uri="{FF2B5EF4-FFF2-40B4-BE49-F238E27FC236}">
-                <a16:creationId xmlns:a16="http://schemas.microsoft.com/office/drawing/2014/main" id="{D28427DB-D194-6AD0-C46F-7352432ED7E8}"/>
-              </a:ext>
-            </a:extLst>
-          </p:cNvPr>
-          <p:cNvPicPr>
-            <a:picLocks noChangeAspect="1"/>
-          </p:cNvPicPr>
-          <p:nvPr/>
-        </p:nvPicPr>
-        <p:blipFill>
-          <a:blip r:embed="rId6">
-            <a:extLst>
-              <a:ext uri="{96DAC541-7B7A-43D3-8B79-37D633B846F1}">
-                <asvg:svgBlip xmlns:asvg="http://schemas.microsoft.com/office/drawing/2016/SVG/main" r:embed="rId7"/>
-              </a:ext>
-            </a:extLst>
-          </a:blip>
-          <a:stretch>
-            <a:fillRect/>
-          </a:stretch>
-        </p:blipFill>
-        <p:spPr>
-          <a:xfrm>
-            <a:off x="3982117" y="3720510"/>
-            <a:ext cx="685800" cy="685800"/>
-          </a:xfrm>
-          <a:prstGeom prst="rect">
-            <a:avLst/>
-          </a:prstGeom>
-        </p:spPr>
-      </p:pic>
-      <p:pic>
-        <p:nvPicPr>
-          <p:cNvPr id="19" name="Graphic 18" descr="Rocket outline">
-            <a:extLst>
-              <a:ext uri="{FF2B5EF4-FFF2-40B4-BE49-F238E27FC236}">
-                <a16:creationId xmlns:a16="http://schemas.microsoft.com/office/drawing/2014/main" id="{B09AEE43-0EC4-BB45-FC1B-9566692CFC2F}"/>
-              </a:ext>
-            </a:extLst>
-          </p:cNvPr>
-          <p:cNvPicPr>
-            <a:picLocks noChangeAspect="1"/>
-          </p:cNvPicPr>
-          <p:nvPr/>
-        </p:nvPicPr>
-        <p:blipFill>
-          <a:blip r:embed="rId8">
-            <a:extLst>
-              <a:ext uri="{96DAC541-7B7A-43D3-8B79-37D633B846F1}">
-                <asvg:svgBlip xmlns:asvg="http://schemas.microsoft.com/office/drawing/2016/SVG/main" r:embed="rId9"/>
-              </a:ext>
-            </a:extLst>
-          </a:blip>
-          <a:stretch>
-            <a:fillRect/>
-          </a:stretch>
-        </p:blipFill>
-        <p:spPr>
-          <a:xfrm>
-            <a:off x="3982117" y="4989328"/>
-            <a:ext cx="685800" cy="685800"/>
-          </a:xfrm>
-          <a:prstGeom prst="rect">
-            <a:avLst/>
-          </a:prstGeom>
-        </p:spPr>
-      </p:pic>
-    </p:spTree>
-    <p:extLst>
-      <p:ext uri="{BB962C8B-B14F-4D97-AF65-F5344CB8AC3E}">
-        <p14:creationId xmlns:p14="http://schemas.microsoft.com/office/powerpoint/2010/main" val="1441009909"/>
-      </p:ext>
-    </p:extLst>
-  </p:cSld>
-  <p:clrMapOvr>
-    <a:masterClrMapping/>
-  </p:clrMapOvr>
-</p:sld>
-</file>
-
-<file path=ppt/slides/slide20.xml><?xml version="1.0" encoding="utf-8"?>
+<file path=ppt/slides/slide19.xml><?xml version="1.0" encoding="utf-8"?>
 <p:sld xmlns:a="http://schemas.openxmlformats.org/drawingml/2006/main" xmlns:r="http://schemas.openxmlformats.org/officeDocument/2006/relationships" xmlns:p="http://schemas.openxmlformats.org/presentationml/2006/main">
   <p:cSld>
     <p:spTree>
@@ -9984,7 +8146,372 @@
 </p:sld>
 </file>
 
-<file path=ppt/slides/slide21.xml><?xml version="1.0" encoding="utf-8"?>
+<file path=ppt/slides/slide2.xml><?xml version="1.0" encoding="utf-8"?>
+<p:sld xmlns:a="http://schemas.openxmlformats.org/drawingml/2006/main" xmlns:r="http://schemas.openxmlformats.org/officeDocument/2006/relationships" xmlns:p="http://schemas.openxmlformats.org/presentationml/2006/main">
+  <p:cSld>
+    <p:spTree>
+      <p:nvGrpSpPr>
+        <p:cNvPr id="1" name=""/>
+        <p:cNvGrpSpPr/>
+        <p:nvPr/>
+      </p:nvGrpSpPr>
+      <p:grpSpPr>
+        <a:xfrm>
+          <a:off x="0" y="0"/>
+          <a:ext cx="0" cy="0"/>
+          <a:chOff x="0" y="0"/>
+          <a:chExt cx="0" cy="0"/>
+        </a:xfrm>
+      </p:grpSpPr>
+      <p:sp>
+        <p:nvSpPr>
+          <p:cNvPr id="2" name="Title 1">
+            <a:extLst>
+              <a:ext uri="{FF2B5EF4-FFF2-40B4-BE49-F238E27FC236}">
+                <a16:creationId xmlns:a16="http://schemas.microsoft.com/office/drawing/2014/main" id="{AB6474BF-FAF4-9F79-1D36-E95102F39B8D}"/>
+              </a:ext>
+            </a:extLst>
+          </p:cNvPr>
+          <p:cNvSpPr>
+            <a:spLocks noGrp="1"/>
+          </p:cNvSpPr>
+          <p:nvPr>
+            <p:ph type="title"/>
+          </p:nvPr>
+        </p:nvSpPr>
+        <p:spPr/>
+        <p:txBody>
+          <a:bodyPr/>
+          <a:lstStyle/>
+          <a:p>
+            <a:r>
+              <a:rPr lang="en-US" dirty="0"/>
+              <a:t>Path</a:t>
+            </a:r>
+            <a:endParaRPr lang="en-US"/>
+          </a:p>
+        </p:txBody>
+      </p:sp>
+      <p:sp>
+        <p:nvSpPr>
+          <p:cNvPr id="4" name="TextBox 3">
+            <a:extLst>
+              <a:ext uri="{FF2B5EF4-FFF2-40B4-BE49-F238E27FC236}">
+                <a16:creationId xmlns:a16="http://schemas.microsoft.com/office/drawing/2014/main" id="{9219B571-9DAD-DC35-532B-E05B180FC03C}"/>
+              </a:ext>
+            </a:extLst>
+          </p:cNvPr>
+          <p:cNvSpPr txBox="1"/>
+          <p:nvPr/>
+        </p:nvSpPr>
+        <p:spPr>
+          <a:xfrm>
+            <a:off x="4730379" y="1341106"/>
+            <a:ext cx="3479504" cy="369332"/>
+          </a:xfrm>
+          <a:prstGeom prst="rect">
+            <a:avLst/>
+          </a:prstGeom>
+          <a:noFill/>
+        </p:spPr>
+        <p:txBody>
+          <a:bodyPr wrap="square">
+            <a:spAutoFit/>
+          </a:bodyPr>
+          <a:lstStyle/>
+          <a:p>
+            <a:r>
+              <a:rPr lang="en-US" sz="1800" dirty="0"/>
+              <a:t>What are these new tools?</a:t>
+            </a:r>
+            <a:endParaRPr lang="en-US" dirty="0"/>
+          </a:p>
+        </p:txBody>
+      </p:sp>
+      <p:sp>
+        <p:nvSpPr>
+          <p:cNvPr id="6" name="TextBox 5">
+            <a:extLst>
+              <a:ext uri="{FF2B5EF4-FFF2-40B4-BE49-F238E27FC236}">
+                <a16:creationId xmlns:a16="http://schemas.microsoft.com/office/drawing/2014/main" id="{A3EA167C-53DE-44DA-FF4A-B32C21276253}"/>
+              </a:ext>
+            </a:extLst>
+          </p:cNvPr>
+          <p:cNvSpPr txBox="1"/>
+          <p:nvPr/>
+        </p:nvSpPr>
+        <p:spPr>
+          <a:xfrm>
+            <a:off x="4730379" y="2609925"/>
+            <a:ext cx="3479504" cy="369332"/>
+          </a:xfrm>
+          <a:prstGeom prst="rect">
+            <a:avLst/>
+          </a:prstGeom>
+          <a:noFill/>
+        </p:spPr>
+        <p:txBody>
+          <a:bodyPr wrap="square">
+            <a:spAutoFit/>
+          </a:bodyPr>
+          <a:lstStyle/>
+          <a:p>
+            <a:r>
+              <a:rPr lang="en-US" dirty="0">
+                <a:solidFill>
+                  <a:schemeClr val="tx1">
+                    <a:lumMod val="50000"/>
+                    <a:lumOff val="50000"/>
+                  </a:schemeClr>
+                </a:solidFill>
+              </a:rPr>
+              <a:t>How can you get started?</a:t>
+            </a:r>
+          </a:p>
+        </p:txBody>
+      </p:sp>
+      <p:sp>
+        <p:nvSpPr>
+          <p:cNvPr id="8" name="TextBox 7">
+            <a:extLst>
+              <a:ext uri="{FF2B5EF4-FFF2-40B4-BE49-F238E27FC236}">
+                <a16:creationId xmlns:a16="http://schemas.microsoft.com/office/drawing/2014/main" id="{B8A3ADCA-5EB2-D659-36A3-5AFA9F0B2DAE}"/>
+              </a:ext>
+            </a:extLst>
+          </p:cNvPr>
+          <p:cNvSpPr txBox="1"/>
+          <p:nvPr/>
+        </p:nvSpPr>
+        <p:spPr>
+          <a:xfrm>
+            <a:off x="4730379" y="3878744"/>
+            <a:ext cx="3479504" cy="369332"/>
+          </a:xfrm>
+          <a:prstGeom prst="rect">
+            <a:avLst/>
+          </a:prstGeom>
+          <a:noFill/>
+        </p:spPr>
+        <p:txBody>
+          <a:bodyPr wrap="square">
+            <a:spAutoFit/>
+          </a:bodyPr>
+          <a:lstStyle/>
+          <a:p>
+            <a:r>
+              <a:rPr lang="en-US" dirty="0">
+                <a:solidFill>
+                  <a:schemeClr val="tx1">
+                    <a:lumMod val="50000"/>
+                    <a:lumOff val="50000"/>
+                  </a:schemeClr>
+                </a:solidFill>
+              </a:rPr>
+              <a:t>How can you use this? (Demo)</a:t>
+            </a:r>
+          </a:p>
+        </p:txBody>
+      </p:sp>
+      <p:sp>
+        <p:nvSpPr>
+          <p:cNvPr id="10" name="TextBox 9">
+            <a:extLst>
+              <a:ext uri="{FF2B5EF4-FFF2-40B4-BE49-F238E27FC236}">
+                <a16:creationId xmlns:a16="http://schemas.microsoft.com/office/drawing/2014/main" id="{90C0A214-2DCD-495E-1D79-D08B86FB7B2F}"/>
+              </a:ext>
+            </a:extLst>
+          </p:cNvPr>
+          <p:cNvSpPr txBox="1"/>
+          <p:nvPr/>
+        </p:nvSpPr>
+        <p:spPr>
+          <a:xfrm>
+            <a:off x="4730379" y="5147562"/>
+            <a:ext cx="3479504" cy="369332"/>
+          </a:xfrm>
+          <a:prstGeom prst="rect">
+            <a:avLst/>
+          </a:prstGeom>
+          <a:noFill/>
+        </p:spPr>
+        <p:txBody>
+          <a:bodyPr wrap="square">
+            <a:spAutoFit/>
+          </a:bodyPr>
+          <a:lstStyle/>
+          <a:p>
+            <a:r>
+              <a:rPr lang="en-US" dirty="0">
+                <a:solidFill>
+                  <a:schemeClr val="tx1">
+                    <a:lumMod val="50000"/>
+                    <a:lumOff val="50000"/>
+                  </a:schemeClr>
+                </a:solidFill>
+              </a:rPr>
+              <a:t>What else can you do? (Demo)</a:t>
+            </a:r>
+          </a:p>
+        </p:txBody>
+      </p:sp>
+      <p:pic>
+        <p:nvPicPr>
+          <p:cNvPr id="13" name="Graphic 12" descr="Tools outline">
+            <a:extLst>
+              <a:ext uri="{FF2B5EF4-FFF2-40B4-BE49-F238E27FC236}">
+                <a16:creationId xmlns:a16="http://schemas.microsoft.com/office/drawing/2014/main" id="{48599B8F-5F12-1D98-9BF2-61F8D06DC5BA}"/>
+              </a:ext>
+            </a:extLst>
+          </p:cNvPr>
+          <p:cNvPicPr>
+            <a:picLocks noChangeAspect="1"/>
+          </p:cNvPicPr>
+          <p:nvPr/>
+        </p:nvPicPr>
+        <p:blipFill>
+          <a:blip r:embed="rId2">
+            <a:extLst>
+              <a:ext uri="{96DAC541-7B7A-43D3-8B79-37D633B846F1}">
+                <asvg:svgBlip xmlns:asvg="http://schemas.microsoft.com/office/drawing/2016/SVG/main" r:embed="rId3"/>
+              </a:ext>
+            </a:extLst>
+          </a:blip>
+          <a:stretch>
+            <a:fillRect/>
+          </a:stretch>
+        </p:blipFill>
+        <p:spPr>
+          <a:xfrm>
+            <a:off x="3982117" y="1182872"/>
+            <a:ext cx="685800" cy="685800"/>
+          </a:xfrm>
+          <a:prstGeom prst="rect">
+            <a:avLst/>
+          </a:prstGeom>
+        </p:spPr>
+      </p:pic>
+      <p:pic>
+        <p:nvPicPr>
+          <p:cNvPr id="15" name="Graphic 14" descr="Race Car outline">
+            <a:extLst>
+              <a:ext uri="{FF2B5EF4-FFF2-40B4-BE49-F238E27FC236}">
+                <a16:creationId xmlns:a16="http://schemas.microsoft.com/office/drawing/2014/main" id="{4414D8E5-BE01-D1E4-076E-AA806003A2DD}"/>
+              </a:ext>
+            </a:extLst>
+          </p:cNvPr>
+          <p:cNvPicPr>
+            <a:picLocks noChangeAspect="1"/>
+          </p:cNvPicPr>
+          <p:nvPr/>
+        </p:nvPicPr>
+        <p:blipFill>
+          <a:blip r:embed="rId4">
+            <a:extLst>
+              <a:ext uri="{96DAC541-7B7A-43D3-8B79-37D633B846F1}">
+                <asvg:svgBlip xmlns:asvg="http://schemas.microsoft.com/office/drawing/2016/SVG/main" r:embed="rId5"/>
+              </a:ext>
+            </a:extLst>
+          </a:blip>
+          <a:stretch>
+            <a:fillRect/>
+          </a:stretch>
+        </p:blipFill>
+        <p:spPr>
+          <a:xfrm>
+            <a:off x="3982117" y="2451691"/>
+            <a:ext cx="685800" cy="685800"/>
+          </a:xfrm>
+          <a:prstGeom prst="rect">
+            <a:avLst/>
+          </a:prstGeom>
+        </p:spPr>
+      </p:pic>
+      <p:pic>
+        <p:nvPicPr>
+          <p:cNvPr id="17" name="Graphic 16" descr="Aspiration outline">
+            <a:extLst>
+              <a:ext uri="{FF2B5EF4-FFF2-40B4-BE49-F238E27FC236}">
+                <a16:creationId xmlns:a16="http://schemas.microsoft.com/office/drawing/2014/main" id="{D28427DB-D194-6AD0-C46F-7352432ED7E8}"/>
+              </a:ext>
+            </a:extLst>
+          </p:cNvPr>
+          <p:cNvPicPr>
+            <a:picLocks noChangeAspect="1"/>
+          </p:cNvPicPr>
+          <p:nvPr/>
+        </p:nvPicPr>
+        <p:blipFill>
+          <a:blip r:embed="rId6">
+            <a:extLst>
+              <a:ext uri="{96DAC541-7B7A-43D3-8B79-37D633B846F1}">
+                <asvg:svgBlip xmlns:asvg="http://schemas.microsoft.com/office/drawing/2016/SVG/main" r:embed="rId7"/>
+              </a:ext>
+            </a:extLst>
+          </a:blip>
+          <a:stretch>
+            <a:fillRect/>
+          </a:stretch>
+        </p:blipFill>
+        <p:spPr>
+          <a:xfrm>
+            <a:off x="3982117" y="3720510"/>
+            <a:ext cx="685800" cy="685800"/>
+          </a:xfrm>
+          <a:prstGeom prst="rect">
+            <a:avLst/>
+          </a:prstGeom>
+        </p:spPr>
+      </p:pic>
+      <p:pic>
+        <p:nvPicPr>
+          <p:cNvPr id="19" name="Graphic 18" descr="Rocket outline">
+            <a:extLst>
+              <a:ext uri="{FF2B5EF4-FFF2-40B4-BE49-F238E27FC236}">
+                <a16:creationId xmlns:a16="http://schemas.microsoft.com/office/drawing/2014/main" id="{B09AEE43-0EC4-BB45-FC1B-9566692CFC2F}"/>
+              </a:ext>
+            </a:extLst>
+          </p:cNvPr>
+          <p:cNvPicPr>
+            <a:picLocks noChangeAspect="1"/>
+          </p:cNvPicPr>
+          <p:nvPr/>
+        </p:nvPicPr>
+        <p:blipFill>
+          <a:blip r:embed="rId8">
+            <a:extLst>
+              <a:ext uri="{96DAC541-7B7A-43D3-8B79-37D633B846F1}">
+                <asvg:svgBlip xmlns:asvg="http://schemas.microsoft.com/office/drawing/2016/SVG/main" r:embed="rId9"/>
+              </a:ext>
+            </a:extLst>
+          </a:blip>
+          <a:stretch>
+            <a:fillRect/>
+          </a:stretch>
+        </p:blipFill>
+        <p:spPr>
+          <a:xfrm>
+            <a:off x="3982117" y="4989328"/>
+            <a:ext cx="685800" cy="685800"/>
+          </a:xfrm>
+          <a:prstGeom prst="rect">
+            <a:avLst/>
+          </a:prstGeom>
+        </p:spPr>
+      </p:pic>
+    </p:spTree>
+    <p:extLst>
+      <p:ext uri="{BB962C8B-B14F-4D97-AF65-F5344CB8AC3E}">
+        <p14:creationId xmlns:p14="http://schemas.microsoft.com/office/powerpoint/2010/main" val="1441009909"/>
+      </p:ext>
+    </p:extLst>
+  </p:cSld>
+  <p:clrMapOvr>
+    <a:masterClrMapping/>
+  </p:clrMapOvr>
+</p:sld>
+</file>
+
+<file path=ppt/slides/slide20.xml><?xml version="1.0" encoding="utf-8"?>
 <p:sld xmlns:a="http://schemas.openxmlformats.org/drawingml/2006/main" xmlns:r="http://schemas.openxmlformats.org/officeDocument/2006/relationships" xmlns:p="http://schemas.openxmlformats.org/presentationml/2006/main">
   <p:cSld>
     <p:spTree>
@@ -11293,7 +9820,7 @@
 </p:sld>
 </file>
 
-<file path=ppt/slides/slide22.xml><?xml version="1.0" encoding="utf-8"?>
+<file path=ppt/slides/slide21.xml><?xml version="1.0" encoding="utf-8"?>
 <p:sld xmlns:a="http://schemas.openxmlformats.org/drawingml/2006/main" xmlns:r="http://schemas.openxmlformats.org/officeDocument/2006/relationships" xmlns:p="http://schemas.openxmlformats.org/presentationml/2006/main">
   <p:cSld>
     <p:spTree>
@@ -20619,15 +19146,6 @@
                   <a:t>Install .NET SDK</a:t>
                 </a:r>
               </a:p>
-              <a:p>
-                <a:pPr algn="r"/>
-                <a:r>
-                  <a:rPr lang="en-US" sz="1200" dirty="0">
-                    <a:latin typeface="Franklin Gothic Book" panose="020B0503020102020204" pitchFamily="34" charset="0"/>
-                  </a:rPr>
-                  <a:t>Category description</a:t>
-                </a:r>
-              </a:p>
             </p:txBody>
           </p:sp>
           <p:cxnSp>
@@ -21448,10 +19966,10 @@
       </p:grpSpPr>
       <p:grpSp>
         <p:nvGrpSpPr>
-          <p:cNvPr id="16" name="Group 15">
+          <p:cNvPr id="18" name="Group 17">
             <a:extLst>
               <a:ext uri="{FF2B5EF4-FFF2-40B4-BE49-F238E27FC236}">
-                <a16:creationId xmlns:a16="http://schemas.microsoft.com/office/drawing/2014/main" id="{A8FC0FCE-9B21-7B22-E8CF-B508E12D869B}"/>
+                <a16:creationId xmlns:a16="http://schemas.microsoft.com/office/drawing/2014/main" id="{CF8EB446-4FAC-3039-5277-4967316D4B7D}"/>
               </a:ext>
             </a:extLst>
           </p:cNvPr>
@@ -21468,10 +19986,10 @@
         </p:grpSpPr>
         <p:pic>
           <p:nvPicPr>
-            <p:cNvPr id="18" name="Picture 2" descr="Microsoft Apps">
+            <p:cNvPr id="19" name="Picture 2" descr="Microsoft Apps">
               <a:extLst>
                 <a:ext uri="{FF2B5EF4-FFF2-40B4-BE49-F238E27FC236}">
-                  <a16:creationId xmlns:a16="http://schemas.microsoft.com/office/drawing/2014/main" id="{9B0E6C5F-80B3-B281-EEDB-C6997E14CF84}"/>
+                  <a16:creationId xmlns:a16="http://schemas.microsoft.com/office/drawing/2014/main" id="{FBD7BF4D-3B6D-18E1-EA17-E1E84B35A728}"/>
                 </a:ext>
               </a:extLst>
             </p:cNvPr>
@@ -21515,10 +20033,10 @@
         </p:pic>
         <p:grpSp>
           <p:nvGrpSpPr>
-            <p:cNvPr id="19" name="Group 18">
+            <p:cNvPr id="20" name="Group 19">
               <a:extLst>
                 <a:ext uri="{FF2B5EF4-FFF2-40B4-BE49-F238E27FC236}">
-                  <a16:creationId xmlns:a16="http://schemas.microsoft.com/office/drawing/2014/main" id="{373089E4-0013-5D99-0C99-F76F46A28D47}"/>
+                  <a16:creationId xmlns:a16="http://schemas.microsoft.com/office/drawing/2014/main" id="{869C3997-D7EC-A40C-6A80-77E6FAB4966F}"/>
                 </a:ext>
               </a:extLst>
             </p:cNvPr>
@@ -21535,10 +20053,10 @@
           </p:grpSpPr>
           <p:sp>
             <p:nvSpPr>
-              <p:cNvPr id="20" name="TextBox 19">
+              <p:cNvPr id="21" name="TextBox 20">
                 <a:extLst>
                   <a:ext uri="{FF2B5EF4-FFF2-40B4-BE49-F238E27FC236}">
-                    <a16:creationId xmlns:a16="http://schemas.microsoft.com/office/drawing/2014/main" id="{A604EDA9-83DF-A4C1-30AA-CA78F27DA113}"/>
+                    <a16:creationId xmlns:a16="http://schemas.microsoft.com/office/drawing/2014/main" id="{F31C4071-8ED1-7C69-7B89-C3DFD4F0DB32}"/>
                   </a:ext>
                 </a:extLst>
               </p:cNvPr>
@@ -21573,10 +20091,10 @@
           </p:sp>
           <p:cxnSp>
             <p:nvCxnSpPr>
-              <p:cNvPr id="21" name="Straight Connector 20">
+              <p:cNvPr id="22" name="Straight Connector 21">
                 <a:extLst>
                   <a:ext uri="{FF2B5EF4-FFF2-40B4-BE49-F238E27FC236}">
-                    <a16:creationId xmlns:a16="http://schemas.microsoft.com/office/drawing/2014/main" id="{DE2A07C5-3678-CCA4-5200-FA8B1D04D654}"/>
+                    <a16:creationId xmlns:a16="http://schemas.microsoft.com/office/drawing/2014/main" id="{A3176C08-F276-9E82-662D-AA3C69B82E9D}"/>
                   </a:ext>
                 </a:extLst>
               </p:cNvPr>
@@ -21901,7 +20419,7 @@
         <p:spPr>
           <a:xfrm>
             <a:off x="7787906" y="1181100"/>
-            <a:ext cx="0" cy="3657600"/>
+            <a:ext cx="0" cy="2705100"/>
           </a:xfrm>
           <a:prstGeom prst="line">
             <a:avLst/>
@@ -21928,6 +20446,41 @@
           </a:fontRef>
         </p:style>
       </p:cxnSp>
+      <p:sp>
+        <p:nvSpPr>
+          <p:cNvPr id="26" name="TextBox 25">
+            <a:extLst>
+              <a:ext uri="{FF2B5EF4-FFF2-40B4-BE49-F238E27FC236}">
+                <a16:creationId xmlns:a16="http://schemas.microsoft.com/office/drawing/2014/main" id="{136414C4-7058-EEE8-825B-74EAF803C687}"/>
+              </a:ext>
+            </a:extLst>
+          </p:cNvPr>
+          <p:cNvSpPr txBox="1"/>
+          <p:nvPr/>
+        </p:nvSpPr>
+        <p:spPr>
+          <a:xfrm>
+            <a:off x="7950302" y="4629356"/>
+            <a:ext cx="4104772" cy="523220"/>
+          </a:xfrm>
+          <a:prstGeom prst="rect">
+            <a:avLst/>
+          </a:prstGeom>
+          <a:noFill/>
+        </p:spPr>
+        <p:txBody>
+          <a:bodyPr wrap="square">
+            <a:spAutoFit/>
+          </a:bodyPr>
+          <a:lstStyle/>
+          <a:p>
+            <a:r>
+              <a:rPr lang="en-US" sz="1400" dirty="0"/>
+              <a:t>https://marketplace.visualstudio.com/items?itemName=ms-dotnettools.dotnet-interactive-vscode</a:t>
+            </a:r>
+          </a:p>
+        </p:txBody>
+      </p:sp>
       <p:sp>
         <p:nvSpPr>
           <p:cNvPr id="28" name="TextBox 27">
@@ -22016,53 +20569,12 @@
           </a:p>
         </p:txBody>
       </p:sp>
-      <p:sp>
-        <p:nvSpPr>
-          <p:cNvPr id="39" name="TextBox 38">
-            <a:extLst>
-              <a:ext uri="{FF2B5EF4-FFF2-40B4-BE49-F238E27FC236}">
-                <a16:creationId xmlns:a16="http://schemas.microsoft.com/office/drawing/2014/main" id="{CCCB84B5-4480-F777-696E-15EDC67E7DE9}"/>
-              </a:ext>
-            </a:extLst>
-          </p:cNvPr>
-          <p:cNvSpPr txBox="1"/>
-          <p:nvPr/>
-        </p:nvSpPr>
-        <p:spPr>
-          <a:xfrm>
-            <a:off x="3704330" y="4080774"/>
-            <a:ext cx="3759555" cy="646331"/>
-          </a:xfrm>
-          <a:prstGeom prst="rect">
-            <a:avLst/>
-          </a:prstGeom>
-          <a:noFill/>
-        </p:spPr>
-        <p:txBody>
-          <a:bodyPr wrap="square">
-            <a:spAutoFit/>
-          </a:bodyPr>
-          <a:lstStyle/>
-          <a:p>
-            <a:r>
-              <a:rPr lang="nn-NO" dirty="0"/>
-              <a:t>winget install `</a:t>
-            </a:r>
-          </a:p>
-          <a:p>
-            <a:r>
-              <a:rPr lang="nn-NO" dirty="0"/>
-              <a:t>  --id Microsoft.PowerShell</a:t>
-            </a:r>
-          </a:p>
-        </p:txBody>
-      </p:sp>
       <p:grpSp>
         <p:nvGrpSpPr>
-          <p:cNvPr id="54" name="Group 53">
+          <p:cNvPr id="55" name="Group 54">
             <a:extLst>
               <a:ext uri="{FF2B5EF4-FFF2-40B4-BE49-F238E27FC236}">
-                <a16:creationId xmlns:a16="http://schemas.microsoft.com/office/drawing/2014/main" id="{C63B90D3-2692-1290-333A-642E4BF0526C}"/>
+                <a16:creationId xmlns:a16="http://schemas.microsoft.com/office/drawing/2014/main" id="{F9CEB114-6ABF-D9FD-C5AC-FC2386A2C6AA}"/>
               </a:ext>
             </a:extLst>
           </p:cNvPr>
@@ -22071,18 +20583,18 @@
         </p:nvGrpSpPr>
         <p:grpSpPr>
           <a:xfrm>
-            <a:off x="82506" y="3895834"/>
+            <a:off x="82506" y="4382861"/>
             <a:ext cx="3302700" cy="1016211"/>
-            <a:chOff x="82506" y="3282928"/>
+            <a:chOff x="82506" y="4652096"/>
             <a:chExt cx="3302700" cy="1016211"/>
           </a:xfrm>
         </p:grpSpPr>
         <p:grpSp>
           <p:nvGrpSpPr>
-            <p:cNvPr id="10" name="Group 9">
+            <p:cNvPr id="40" name="Group 39">
               <a:extLst>
                 <a:ext uri="{FF2B5EF4-FFF2-40B4-BE49-F238E27FC236}">
-                  <a16:creationId xmlns:a16="http://schemas.microsoft.com/office/drawing/2014/main" id="{D659CFA1-7EDD-C7FA-578D-7304BF09C955}"/>
+                  <a16:creationId xmlns:a16="http://schemas.microsoft.com/office/drawing/2014/main" id="{F3D5840B-E737-B578-15CC-5C057CC5EF84}"/>
                 </a:ext>
               </a:extLst>
             </p:cNvPr>
@@ -22091,7 +20603,7 @@
           </p:nvGrpSpPr>
           <p:grpSpPr>
             <a:xfrm>
-              <a:off x="978199" y="3282928"/>
+              <a:off x="978199" y="4652096"/>
               <a:ext cx="2407007" cy="1016211"/>
               <a:chOff x="76200" y="2278396"/>
               <a:chExt cx="3377452" cy="1016211"/>
@@ -22099,10 +20611,10 @@
           </p:grpSpPr>
           <p:sp>
             <p:nvSpPr>
-              <p:cNvPr id="11" name="TextBox 10">
+              <p:cNvPr id="41" name="TextBox 40">
                 <a:extLst>
                   <a:ext uri="{FF2B5EF4-FFF2-40B4-BE49-F238E27FC236}">
-                    <a16:creationId xmlns:a16="http://schemas.microsoft.com/office/drawing/2014/main" id="{2A7AA5F5-7167-B422-B6F4-94D351B85AA5}"/>
+                    <a16:creationId xmlns:a16="http://schemas.microsoft.com/office/drawing/2014/main" id="{4CC27227-444E-D8AA-5210-E1EE91AC3EE2}"/>
                   </a:ext>
                 </a:extLst>
               </p:cNvPr>
@@ -22130,7 +20642,7 @@
                   <a:rPr lang="en-US" sz="1600" b="1" dirty="0">
                     <a:latin typeface="Franklin Gothic Book" panose="020B0503020102020204" pitchFamily="34" charset="0"/>
                   </a:rPr>
-                  <a:t>Install PowerShell Core</a:t>
+                  <a:t>Install Polyglot Notebooks</a:t>
                 </a:r>
               </a:p>
               <a:p>
@@ -22139,17 +20651,17 @@
                   <a:rPr lang="en-US" sz="1200" dirty="0">
                     <a:latin typeface="Franklin Gothic Book" panose="020B0503020102020204" pitchFamily="34" charset="0"/>
                   </a:rPr>
-                  <a:t>Category description</a:t>
+                  <a:t>Visual Studio Code Extension</a:t>
                 </a:r>
               </a:p>
             </p:txBody>
           </p:sp>
           <p:cxnSp>
             <p:nvCxnSpPr>
-              <p:cNvPr id="12" name="Straight Connector 11">
+              <p:cNvPr id="42" name="Straight Connector 41">
                 <a:extLst>
                   <a:ext uri="{FF2B5EF4-FFF2-40B4-BE49-F238E27FC236}">
-                    <a16:creationId xmlns:a16="http://schemas.microsoft.com/office/drawing/2014/main" id="{EA7B94EF-AEDE-EB6B-5050-0C8E520C9EBD}"/>
+                    <a16:creationId xmlns:a16="http://schemas.microsoft.com/office/drawing/2014/main" id="{7D9BA1CF-F9E1-EDB5-D543-EBF953C2F92B}"/>
                   </a:ext>
                 </a:extLst>
               </p:cNvPr>
@@ -22190,38 +20702,49 @@
         </p:grpSp>
         <p:pic>
           <p:nvPicPr>
-            <p:cNvPr id="45" name="Graphic 44">
+            <p:cNvPr id="43" name="Picture 2">
               <a:extLst>
                 <a:ext uri="{FF2B5EF4-FFF2-40B4-BE49-F238E27FC236}">
-                  <a16:creationId xmlns:a16="http://schemas.microsoft.com/office/drawing/2014/main" id="{727597D1-D8F0-E4C9-F585-49342ED840DA}"/>
+                  <a16:creationId xmlns:a16="http://schemas.microsoft.com/office/drawing/2014/main" id="{1F6ACCC0-6EF9-DAF2-2251-AC15DCFCFFBD}"/>
                 </a:ext>
               </a:extLst>
             </p:cNvPr>
             <p:cNvPicPr>
-              <a:picLocks noChangeAspect="1"/>
+              <a:picLocks noChangeAspect="1" noChangeArrowheads="1"/>
             </p:cNvPicPr>
             <p:nvPr/>
           </p:nvPicPr>
           <p:blipFill>
             <a:blip r:embed="rId5">
               <a:extLst>
-                <a:ext uri="{96DAC541-7B7A-43D3-8B79-37D633B846F1}">
-                  <asvg:svgBlip xmlns:asvg="http://schemas.microsoft.com/office/drawing/2016/SVG/main" r:embed="rId6"/>
+                <a:ext uri="{28A0092B-C50C-407E-A947-70E740481C1C}">
+                  <a14:useLocalDpi xmlns:a14="http://schemas.microsoft.com/office/drawing/2010/main" val="0"/>
                 </a:ext>
               </a:extLst>
             </a:blip>
+            <a:srcRect/>
             <a:stretch>
               <a:fillRect/>
             </a:stretch>
           </p:blipFill>
-          <p:spPr>
+          <p:spPr bwMode="auto">
             <a:xfrm>
-              <a:off x="82506" y="3509855"/>
-              <a:ext cx="749808" cy="562356"/>
+              <a:off x="82506" y="4785297"/>
+              <a:ext cx="749808" cy="749808"/>
             </a:xfrm>
             <a:prstGeom prst="rect">
               <a:avLst/>
             </a:prstGeom>
+            <a:noFill/>
+            <a:extLst>
+              <a:ext uri="{909E8E84-426E-40DD-AFC4-6F175D3DCCD1}">
+                <a14:hiddenFill xmlns:a14="http://schemas.microsoft.com/office/drawing/2010/main">
+                  <a:solidFill>
+                    <a:srgbClr val="FFFFFF"/>
+                  </a:solidFill>
+                </a14:hiddenFill>
+              </a:ext>
+            </a:extLst>
           </p:spPr>
         </p:pic>
       </p:grpSp>
@@ -22280,7 +20803,7 @@
               <p:nvPr/>
             </p:nvPicPr>
             <p:blipFill>
-              <a:blip r:embed="rId7">
+              <a:blip r:embed="rId6">
                 <a:extLst>
                   <a:ext uri="{28A0092B-C50C-407E-A947-70E740481C1C}">
                     <a14:useLocalDpi xmlns:a14="http://schemas.microsoft.com/office/drawing/2010/main" val="0"/>
@@ -22467,7 +20990,7 @@
                 <p:nvPr/>
               </p:nvPicPr>
               <p:blipFill>
-                <a:blip r:embed="rId8">
+                <a:blip r:embed="rId7">
                   <a:extLst>
                     <a:ext uri="{28A0092B-C50C-407E-A947-70E740481C1C}">
                       <a14:useLocalDpi xmlns:a14="http://schemas.microsoft.com/office/drawing/2010/main" val="0"/>
@@ -22570,10 +21093,10 @@
                 <p:nvPr/>
               </p:nvPicPr>
               <p:blipFill>
-                <a:blip r:embed="rId9">
+                <a:blip r:embed="rId8">
                   <a:extLst>
                     <a:ext uri="{96DAC541-7B7A-43D3-8B79-37D633B846F1}">
-                      <asvg:svgBlip xmlns:asvg="http://schemas.microsoft.com/office/drawing/2016/SVG/main" r:embed="rId10"/>
+                      <asvg:svgBlip xmlns:asvg="http://schemas.microsoft.com/office/drawing/2016/SVG/main" r:embed="rId9"/>
                     </a:ext>
                   </a:extLst>
                 </a:blip>
@@ -22674,46 +21197,72 @@
       </p:grpSp>
       <p:sp>
         <p:nvSpPr>
-          <p:cNvPr id="1030" name="TextBox 1029">
+          <p:cNvPr id="1029" name="Rectangle: Rounded Corners 1028">
             <a:extLst>
               <a:ext uri="{FF2B5EF4-FFF2-40B4-BE49-F238E27FC236}">
-                <a16:creationId xmlns:a16="http://schemas.microsoft.com/office/drawing/2014/main" id="{B0D5AE85-DAEE-826C-28F1-DFEABE76B03B}"/>
+                <a16:creationId xmlns:a16="http://schemas.microsoft.com/office/drawing/2014/main" id="{21062AFE-F664-098C-0A86-4E39A3E5115D}"/>
               </a:ext>
             </a:extLst>
           </p:cNvPr>
-          <p:cNvSpPr txBox="1"/>
+          <p:cNvSpPr/>
           <p:nvPr/>
         </p:nvSpPr>
         <p:spPr>
           <a:xfrm>
-            <a:off x="7924955" y="4250051"/>
-            <a:ext cx="4095907" cy="307777"/>
+            <a:off x="3822431" y="4382861"/>
+            <a:ext cx="3523351" cy="1015597"/>
           </a:xfrm>
-          <a:prstGeom prst="rect">
+          <a:prstGeom prst="roundRect">
             <a:avLst/>
           </a:prstGeom>
-          <a:noFill/>
+          <a:blipFill>
+            <a:blip r:embed="rId10"/>
+            <a:stretch>
+              <a:fillRect/>
+            </a:stretch>
+          </a:blipFill>
+          <a:ln>
+            <a:noFill/>
+          </a:ln>
+          <a:effectLst>
+            <a:outerShdw blurRad="50800" dist="38100" dir="2700000" algn="tl" rotWithShape="0">
+              <a:prstClr val="black">
+                <a:alpha val="40000"/>
+              </a:prstClr>
+            </a:outerShdw>
+          </a:effectLst>
         </p:spPr>
+        <p:style>
+          <a:lnRef idx="2">
+            <a:schemeClr val="accent1">
+              <a:shade val="50000"/>
+            </a:schemeClr>
+          </a:lnRef>
+          <a:fillRef idx="1">
+            <a:schemeClr val="accent1"/>
+          </a:fillRef>
+          <a:effectRef idx="0">
+            <a:schemeClr val="accent1"/>
+          </a:effectRef>
+          <a:fontRef idx="minor">
+            <a:schemeClr val="lt1"/>
+          </a:fontRef>
+        </p:style>
         <p:txBody>
-          <a:bodyPr wrap="square">
-            <a:spAutoFit/>
-          </a:bodyPr>
+          <a:bodyPr rtlCol="0" anchor="ctr"/>
           <a:lstStyle/>
           <a:p>
             <a:pPr algn="ctr"/>
-            <a:r>
-              <a:rPr lang="en-US" sz="1400" dirty="0"/>
-              <a:t>https://github.com/PowerShell/PowerShell</a:t>
-            </a:r>
+            <a:endParaRPr lang="en-US"/>
           </a:p>
         </p:txBody>
       </p:sp>
       <p:sp>
         <p:nvSpPr>
-          <p:cNvPr id="3" name="Rectangle 2">
+          <p:cNvPr id="13" name="Rectangle 12">
             <a:extLst>
               <a:ext uri="{FF2B5EF4-FFF2-40B4-BE49-F238E27FC236}">
-                <a16:creationId xmlns:a16="http://schemas.microsoft.com/office/drawing/2014/main" id="{7BDE6E3B-8381-A303-01B5-1C36FDF6FD30}"/>
+                <a16:creationId xmlns:a16="http://schemas.microsoft.com/office/drawing/2014/main" id="{014FD63C-5681-CA60-0C4F-F4D7839567E3}"/>
               </a:ext>
             </a:extLst>
           </p:cNvPr>
@@ -22723,7 +21272,7 @@
         <p:spPr>
           <a:xfrm>
             <a:off x="76199" y="1166608"/>
-            <a:ext cx="12048393" cy="2529092"/>
+            <a:ext cx="12048393" cy="2719592"/>
           </a:xfrm>
           <a:prstGeom prst="rect">
             <a:avLst/>
@@ -22765,7 +21314,7 @@
     </p:spTree>
     <p:extLst>
       <p:ext uri="{BB962C8B-B14F-4D97-AF65-F5344CB8AC3E}">
-        <p14:creationId xmlns:p14="http://schemas.microsoft.com/office/powerpoint/2010/main" val="2397752576"/>
+        <p14:creationId xmlns:p14="http://schemas.microsoft.com/office/powerpoint/2010/main" val="671384436"/>
       </p:ext>
     </p:extLst>
   </p:cSld>
@@ -23324,18 +21873,18 @@
 </file>
 
 <file path=customXml/item1.xml><?xml version="1.0" encoding="utf-8"?>
-<p:properties xmlns:p="http://schemas.microsoft.com/office/2006/metadata/properties" xmlns:xsi="http://www.w3.org/2001/XMLSchema-instance" xmlns:pc="http://schemas.microsoft.com/office/infopath/2007/PartnerControls">
-  <documentManagement/>
-</p:properties>
-</file>
-
-<file path=customXml/item2.xml><?xml version="1.0" encoding="utf-8"?>
 <?mso-contentType ?>
 <FormTemplates xmlns="http://schemas.microsoft.com/sharepoint/v3/contenttype/forms">
   <Display>DocumentLibraryForm</Display>
   <Edit>DocumentLibraryForm</Edit>
   <New>DocumentLibraryForm</New>
 </FormTemplates>
+</file>
+
+<file path=customXml/item2.xml><?xml version="1.0" encoding="utf-8"?>
+<p:properties xmlns:p="http://schemas.microsoft.com/office/2006/metadata/properties" xmlns:xsi="http://www.w3.org/2001/XMLSchema-instance" xmlns:pc="http://schemas.microsoft.com/office/infopath/2007/PartnerControls">
+  <documentManagement/>
+</p:properties>
 </file>
 
 <file path=customXml/item3.xml><?xml version="1.0" encoding="utf-8"?>
@@ -23530,6 +22079,14 @@
 </file>
 
 <file path=customXml/itemProps1.xml><?xml version="1.0" encoding="utf-8"?>
+<ds:datastoreItem xmlns:ds="http://schemas.openxmlformats.org/officeDocument/2006/customXml" ds:itemID="{0C22064C-1319-48D9-99A8-E6155754BCCB}">
+  <ds:schemaRefs>
+    <ds:schemaRef ds:uri="http://schemas.microsoft.com/sharepoint/v3/contenttype/forms"/>
+  </ds:schemaRefs>
+</ds:datastoreItem>
+</file>
+
+<file path=customXml/itemProps2.xml><?xml version="1.0" encoding="utf-8"?>
 <ds:datastoreItem xmlns:ds="http://schemas.openxmlformats.org/officeDocument/2006/customXml" ds:itemID="{92A6475F-74BE-49E2-AA53-D5190570A614}">
   <ds:schemaRefs>
     <ds:schemaRef ds:uri="http://purl.org/dc/dcmitype/"/>
@@ -23542,14 +22099,6 @@
     <ds:schemaRef ds:uri="http://schemas.microsoft.com/office/2006/metadata/properties"/>
     <ds:schemaRef ds:uri="http://www.w3.org/XML/1998/namespace"/>
     <ds:schemaRef ds:uri="http://purl.org/dc/terms/"/>
-  </ds:schemaRefs>
-</ds:datastoreItem>
-</file>
-
-<file path=customXml/itemProps2.xml><?xml version="1.0" encoding="utf-8"?>
-<ds:datastoreItem xmlns:ds="http://schemas.openxmlformats.org/officeDocument/2006/customXml" ds:itemID="{0C22064C-1319-48D9-99A8-E6155754BCCB}">
-  <ds:schemaRefs>
-    <ds:schemaRef ds:uri="http://schemas.microsoft.com/sharepoint/v3/contenttype/forms"/>
   </ds:schemaRefs>
 </ds:datastoreItem>
 </file>

--- a/Presentation-PSHSummit2023-NoVideo.pptx
+++ b/Presentation-PSHSummit2023-NoVideo.pptx
@@ -189,7 +189,7 @@
   <pc:docChgLst>
     <pc:chgData name="Mike Soule" userId="9fd0a5c4b3bf1bb1" providerId="LiveId" clId="{A3962EED-ABA8-4EB1-9163-F76B7800A94B}"/>
     <pc:docChg chg="undo custSel delSld modSld">
-      <pc:chgData name="Mike Soule" userId="9fd0a5c4b3bf1bb1" providerId="LiveId" clId="{A3962EED-ABA8-4EB1-9163-F76B7800A94B}" dt="2023-05-03T23:53:32.936" v="88" actId="1036"/>
+      <pc:chgData name="Mike Soule" userId="9fd0a5c4b3bf1bb1" providerId="LiveId" clId="{A3962EED-ABA8-4EB1-9163-F76B7800A94B}" dt="2023-05-04T00:01:34.635" v="115" actId="170"/>
       <pc:docMkLst>
         <pc:docMk/>
       </pc:docMkLst>
@@ -216,11 +216,19 @@
         </pc:sldMkLst>
       </pc:sldChg>
       <pc:sldChg chg="addSp delSp modSp mod">
-        <pc:chgData name="Mike Soule" userId="9fd0a5c4b3bf1bb1" providerId="LiveId" clId="{A3962EED-ABA8-4EB1-9163-F76B7800A94B}" dt="2023-05-03T23:53:32.936" v="88" actId="1036"/>
+        <pc:chgData name="Mike Soule" userId="9fd0a5c4b3bf1bb1" providerId="LiveId" clId="{A3962EED-ABA8-4EB1-9163-F76B7800A94B}" dt="2023-05-04T00:01:34.635" v="115" actId="170"/>
         <pc:sldMkLst>
           <pc:docMk/>
           <pc:sldMk cId="671384436" sldId="273"/>
         </pc:sldMkLst>
+        <pc:spChg chg="mod">
+          <ac:chgData name="Mike Soule" userId="9fd0a5c4b3bf1bb1" providerId="LiveId" clId="{A3962EED-ABA8-4EB1-9163-F76B7800A94B}" dt="2023-05-04T00:01:28.889" v="102" actId="20577"/>
+          <ac:spMkLst>
+            <pc:docMk/>
+            <pc:sldMk cId="671384436" sldId="273"/>
+            <ac:spMk id="8" creationId="{56FE2A39-865E-D4FC-263A-2C0CC7EB877F}"/>
+          </ac:spMkLst>
+        </pc:spChg>
         <pc:spChg chg="mod">
           <ac:chgData name="Mike Soule" userId="9fd0a5c4b3bf1bb1" providerId="LiveId" clId="{A3962EED-ABA8-4EB1-9163-F76B7800A94B}" dt="2023-05-03T23:53:11.868" v="44" actId="20577"/>
           <ac:spMkLst>
@@ -229,8 +237,8 @@
             <ac:spMk id="11" creationId="{2A7AA5F5-7167-B422-B6F4-94D351B85AA5}"/>
           </ac:spMkLst>
         </pc:spChg>
-        <pc:spChg chg="mod">
-          <ac:chgData name="Mike Soule" userId="9fd0a5c4b3bf1bb1" providerId="LiveId" clId="{A3962EED-ABA8-4EB1-9163-F76B7800A94B}" dt="2023-05-03T23:52:15.256" v="1" actId="14100"/>
+        <pc:spChg chg="mod ord">
+          <ac:chgData name="Mike Soule" userId="9fd0a5c4b3bf1bb1" providerId="LiveId" clId="{A3962EED-ABA8-4EB1-9163-F76B7800A94B}" dt="2023-05-04T00:01:34.635" v="115" actId="170"/>
           <ac:spMkLst>
             <pc:docMk/>
             <pc:sldMk cId="671384436" sldId="273"/>
@@ -20238,15 +20246,6 @@
                   <a:t>Install .NET SDK</a:t>
                 </a:r>
               </a:p>
-              <a:p>
-                <a:pPr algn="r"/>
-                <a:r>
-                  <a:rPr lang="en-US" sz="1200" dirty="0">
-                    <a:latin typeface="Franklin Gothic Book" panose="020B0503020102020204" pitchFamily="34" charset="0"/>
-                  </a:rPr>
-                  <a:t>Category description</a:t>
-                </a:r>
-              </a:p>
             </p:txBody>
           </p:sp>
           <p:cxnSp>
@@ -21882,12 +21881,6 @@
 </file>
 
 <file path=customXml/item2.xml><?xml version="1.0" encoding="utf-8"?>
-<p:properties xmlns:p="http://schemas.microsoft.com/office/2006/metadata/properties" xmlns:xsi="http://www.w3.org/2001/XMLSchema-instance" xmlns:pc="http://schemas.microsoft.com/office/infopath/2007/PartnerControls">
-  <documentManagement/>
-</p:properties>
-</file>
-
-<file path=customXml/item3.xml><?xml version="1.0" encoding="utf-8"?>
 <ct:contentTypeSchema xmlns:ct="http://schemas.microsoft.com/office/2006/metadata/contentType" xmlns:ma="http://schemas.microsoft.com/office/2006/metadata/properties/metaAttributes" ct:_="" ma:_="" ma:contentTypeName="Document" ma:contentTypeID="0x010100F4F7FF22093805478C1AC3DECA046AE2" ma:contentTypeVersion="8" ma:contentTypeDescription="Create a new document." ma:contentTypeScope="" ma:versionID="355f70b62edaa6431edc676a4e077378">
   <xsd:schema xmlns:xsd="http://www.w3.org/2001/XMLSchema" xmlns:xs="http://www.w3.org/2001/XMLSchema" xmlns:p="http://schemas.microsoft.com/office/2006/metadata/properties" xmlns:ns3="645951c4-77b2-4271-8f10-a0d3c1e36172" xmlns:ns4="4999cf13-cb53-4a3d-a90e-c2f6e51a4028" targetNamespace="http://schemas.microsoft.com/office/2006/metadata/properties" ma:root="true" ma:fieldsID="2227e73c82c8b7740b460282c33c29e7" ns3:_="" ns4:_="">
     <xsd:import namespace="645951c4-77b2-4271-8f10-a0d3c1e36172"/>
@@ -22078,6 +22071,12 @@
 </ct:contentTypeSchema>
 </file>
 
+<file path=customXml/item3.xml><?xml version="1.0" encoding="utf-8"?>
+<p:properties xmlns:p="http://schemas.microsoft.com/office/2006/metadata/properties" xmlns:xsi="http://www.w3.org/2001/XMLSchema-instance" xmlns:pc="http://schemas.microsoft.com/office/infopath/2007/PartnerControls">
+  <documentManagement/>
+</p:properties>
+</file>
+
 <file path=customXml/itemProps1.xml><?xml version="1.0" encoding="utf-8"?>
 <ds:datastoreItem xmlns:ds="http://schemas.openxmlformats.org/officeDocument/2006/customXml" ds:itemID="{0C22064C-1319-48D9-99A8-E6155754BCCB}">
   <ds:schemaRefs>
@@ -22087,23 +22086,6 @@
 </file>
 
 <file path=customXml/itemProps2.xml><?xml version="1.0" encoding="utf-8"?>
-<ds:datastoreItem xmlns:ds="http://schemas.openxmlformats.org/officeDocument/2006/customXml" ds:itemID="{92A6475F-74BE-49E2-AA53-D5190570A614}">
-  <ds:schemaRefs>
-    <ds:schemaRef ds:uri="http://purl.org/dc/dcmitype/"/>
-    <ds:schemaRef ds:uri="http://schemas.microsoft.com/office/2006/documentManagement/types"/>
-    <ds:schemaRef ds:uri="http://purl.org/dc/elements/1.1/"/>
-    <ds:schemaRef ds:uri="http://schemas.microsoft.com/office/infopath/2007/PartnerControls"/>
-    <ds:schemaRef ds:uri="http://schemas.openxmlformats.org/package/2006/metadata/core-properties"/>
-    <ds:schemaRef ds:uri="4999cf13-cb53-4a3d-a90e-c2f6e51a4028"/>
-    <ds:schemaRef ds:uri="645951c4-77b2-4271-8f10-a0d3c1e36172"/>
-    <ds:schemaRef ds:uri="http://schemas.microsoft.com/office/2006/metadata/properties"/>
-    <ds:schemaRef ds:uri="http://www.w3.org/XML/1998/namespace"/>
-    <ds:schemaRef ds:uri="http://purl.org/dc/terms/"/>
-  </ds:schemaRefs>
-</ds:datastoreItem>
-</file>
-
-<file path=customXml/itemProps3.xml><?xml version="1.0" encoding="utf-8"?>
 <ds:datastoreItem xmlns:ds="http://schemas.openxmlformats.org/officeDocument/2006/customXml" ds:itemID="{7B8DF68D-5FB3-440F-B135-BC13D85A75AA}">
   <ds:schemaRefs>
     <ds:schemaRef ds:uri="4999cf13-cb53-4a3d-a90e-c2f6e51a4028"/>
@@ -22120,4 +22102,21 @@
     <ds:schemaRef ds:uri="http://www.w3.org/2001/XMLSchema"/>
   </ds:schemaRefs>
 </ds:datastoreItem>
+</file>
+
+<file path=customXml/itemProps3.xml><?xml version="1.0" encoding="utf-8"?>
+<ds:datastoreItem xmlns:ds="http://schemas.openxmlformats.org/officeDocument/2006/customXml" ds:itemID="{92A6475F-74BE-49E2-AA53-D5190570A614}">
+  <ds:schemaRefs>
+    <ds:schemaRef ds:uri="http://purl.org/dc/dcmitype/"/>
+    <ds:schemaRef ds:uri="http://schemas.microsoft.com/office/2006/documentManagement/types"/>
+    <ds:schemaRef ds:uri="http://purl.org/dc/elements/1.1/"/>
+    <ds:schemaRef ds:uri="http://schemas.microsoft.com/office/infopath/2007/PartnerControls"/>
+    <ds:schemaRef ds:uri="http://schemas.openxmlformats.org/package/2006/metadata/core-properties"/>
+    <ds:schemaRef ds:uri="4999cf13-cb53-4a3d-a90e-c2f6e51a4028"/>
+    <ds:schemaRef ds:uri="645951c4-77b2-4271-8f10-a0d3c1e36172"/>
+    <ds:schemaRef ds:uri="http://schemas.microsoft.com/office/2006/metadata/properties"/>
+    <ds:schemaRef ds:uri="http://www.w3.org/XML/1998/namespace"/>
+    <ds:schemaRef ds:uri="http://purl.org/dc/terms/"/>
+  </ds:schemaRefs>
+</ds:datastoreItem>
 </file>
--- a/Presentation-PSHSummit2023-NoVideo.pptx
+++ b/Presentation-PSHSummit2023-NoVideo.pptx
@@ -176,16 +176,32 @@
 </p:presentation>
 </file>
 
-<file path=ppt/revisionInfo.xml><?xml version="1.0" encoding="utf-8"?>
-<p1510:revInfo xmlns:a="http://schemas.openxmlformats.org/drawingml/2006/main" xmlns:r="http://schemas.openxmlformats.org/officeDocument/2006/relationships" xmlns:p1510="http://schemas.microsoft.com/office/powerpoint/2015/10/main">
-  <p1510:revLst>
-    <p1510:client id="{A3962EED-ABA8-4EB1-9163-F76B7800A94B}" v="42" dt="2023-05-03T23:53:32.936"/>
-  </p1510:revLst>
-</p1510:revInfo>
-</file>
-
 <file path=ppt/changesInfos/changesInfo1.xml><?xml version="1.0" encoding="utf-8"?>
 <pc:chgInfo xmlns:a="http://schemas.openxmlformats.org/drawingml/2006/main" xmlns:r="http://schemas.openxmlformats.org/officeDocument/2006/relationships" xmlns:ac="http://schemas.microsoft.com/office/drawing/2013/main/command" xmlns:pc="http://schemas.microsoft.com/office/powerpoint/2013/main/command">
+  <pc:docChgLst>
+    <pc:chgData name="Mike Soule" userId="9fd0a5c4b3bf1bb1" providerId="LiveId" clId="{7DC97A7F-7160-43AE-A103-802A440E5673}"/>
+    <pc:docChg chg="custSel modSld">
+      <pc:chgData name="Mike Soule" userId="9fd0a5c4b3bf1bb1" providerId="LiveId" clId="{7DC97A7F-7160-43AE-A103-802A440E5673}" dt="2023-05-30T13:30:11.424" v="0" actId="478"/>
+      <pc:docMkLst>
+        <pc:docMk/>
+      </pc:docMkLst>
+      <pc:sldChg chg="delSp mod">
+        <pc:chgData name="Mike Soule" userId="9fd0a5c4b3bf1bb1" providerId="LiveId" clId="{7DC97A7F-7160-43AE-A103-802A440E5673}" dt="2023-05-30T13:30:11.424" v="0" actId="478"/>
+        <pc:sldMkLst>
+          <pc:docMk/>
+          <pc:sldMk cId="671384436" sldId="273"/>
+        </pc:sldMkLst>
+        <pc:spChg chg="del">
+          <ac:chgData name="Mike Soule" userId="9fd0a5c4b3bf1bb1" providerId="LiveId" clId="{7DC97A7F-7160-43AE-A103-802A440E5673}" dt="2023-05-30T13:30:11.424" v="0" actId="478"/>
+          <ac:spMkLst>
+            <pc:docMk/>
+            <pc:sldMk cId="671384436" sldId="273"/>
+            <ac:spMk id="13" creationId="{014FD63C-5681-CA60-0C4F-F4D7839567E3}"/>
+          </ac:spMkLst>
+        </pc:spChg>
+      </pc:sldChg>
+    </pc:docChg>
+  </pc:docChgLst>
   <pc:docChgLst>
     <pc:chgData name="Mike Soule" userId="9fd0a5c4b3bf1bb1" providerId="LiveId" clId="{A3962EED-ABA8-4EB1-9163-F76B7800A94B}"/>
     <pc:docChg chg="undo custSel delSld modSld">
@@ -493,7 +509,7 @@
           <a:p>
             <a:fld id="{62CF2DC4-392E-48ED-97F2-135EC7E14E8B}" type="datetimeFigureOut">
               <a:rPr lang="en-US" smtClean="0"/>
-              <a:t>5/3/2023</a:t>
+              <a:t>5/30/2023</a:t>
             </a:fld>
             <a:endParaRPr lang="en-US"/>
           </a:p>
@@ -21256,60 +21272,6 @@
           </a:p>
         </p:txBody>
       </p:sp>
-      <p:sp>
-        <p:nvSpPr>
-          <p:cNvPr id="13" name="Rectangle 12">
-            <a:extLst>
-              <a:ext uri="{FF2B5EF4-FFF2-40B4-BE49-F238E27FC236}">
-                <a16:creationId xmlns:a16="http://schemas.microsoft.com/office/drawing/2014/main" id="{014FD63C-5681-CA60-0C4F-F4D7839567E3}"/>
-              </a:ext>
-            </a:extLst>
-          </p:cNvPr>
-          <p:cNvSpPr/>
-          <p:nvPr/>
-        </p:nvSpPr>
-        <p:spPr>
-          <a:xfrm>
-            <a:off x="76199" y="1166608"/>
-            <a:ext cx="12048393" cy="2719592"/>
-          </a:xfrm>
-          <a:prstGeom prst="rect">
-            <a:avLst/>
-          </a:prstGeom>
-          <a:solidFill>
-            <a:schemeClr val="bg1">
-              <a:alpha val="60000"/>
-            </a:schemeClr>
-          </a:solidFill>
-          <a:ln>
-            <a:noFill/>
-          </a:ln>
-        </p:spPr>
-        <p:style>
-          <a:lnRef idx="2">
-            <a:schemeClr val="accent1">
-              <a:shade val="50000"/>
-            </a:schemeClr>
-          </a:lnRef>
-          <a:fillRef idx="1">
-            <a:schemeClr val="accent1"/>
-          </a:fillRef>
-          <a:effectRef idx="0">
-            <a:schemeClr val="accent1"/>
-          </a:effectRef>
-          <a:fontRef idx="minor">
-            <a:schemeClr val="lt1"/>
-          </a:fontRef>
-        </p:style>
-        <p:txBody>
-          <a:bodyPr rtlCol="0" anchor="ctr"/>
-          <a:lstStyle/>
-          <a:p>
-            <a:pPr algn="ctr"/>
-            <a:endParaRPr lang="en-US"/>
-          </a:p>
-        </p:txBody>
-      </p:sp>
     </p:spTree>
     <p:extLst>
       <p:ext uri="{BB962C8B-B14F-4D97-AF65-F5344CB8AC3E}">
@@ -21881,6 +21843,12 @@
 </file>
 
 <file path=customXml/item2.xml><?xml version="1.0" encoding="utf-8"?>
+<p:properties xmlns:p="http://schemas.microsoft.com/office/2006/metadata/properties" xmlns:xsi="http://www.w3.org/2001/XMLSchema-instance" xmlns:pc="http://schemas.microsoft.com/office/infopath/2007/PartnerControls">
+  <documentManagement/>
+</p:properties>
+</file>
+
+<file path=customXml/item3.xml><?xml version="1.0" encoding="utf-8"?>
 <ct:contentTypeSchema xmlns:ct="http://schemas.microsoft.com/office/2006/metadata/contentType" xmlns:ma="http://schemas.microsoft.com/office/2006/metadata/properties/metaAttributes" ct:_="" ma:_="" ma:contentTypeName="Document" ma:contentTypeID="0x010100F4F7FF22093805478C1AC3DECA046AE2" ma:contentTypeVersion="8" ma:contentTypeDescription="Create a new document." ma:contentTypeScope="" ma:versionID="355f70b62edaa6431edc676a4e077378">
   <xsd:schema xmlns:xsd="http://www.w3.org/2001/XMLSchema" xmlns:xs="http://www.w3.org/2001/XMLSchema" xmlns:p="http://schemas.microsoft.com/office/2006/metadata/properties" xmlns:ns3="645951c4-77b2-4271-8f10-a0d3c1e36172" xmlns:ns4="4999cf13-cb53-4a3d-a90e-c2f6e51a4028" targetNamespace="http://schemas.microsoft.com/office/2006/metadata/properties" ma:root="true" ma:fieldsID="2227e73c82c8b7740b460282c33c29e7" ns3:_="" ns4:_="">
     <xsd:import namespace="645951c4-77b2-4271-8f10-a0d3c1e36172"/>
@@ -22071,12 +22039,6 @@
 </ct:contentTypeSchema>
 </file>
 
-<file path=customXml/item3.xml><?xml version="1.0" encoding="utf-8"?>
-<p:properties xmlns:p="http://schemas.microsoft.com/office/2006/metadata/properties" xmlns:xsi="http://www.w3.org/2001/XMLSchema-instance" xmlns:pc="http://schemas.microsoft.com/office/infopath/2007/PartnerControls">
-  <documentManagement/>
-</p:properties>
-</file>
-
 <file path=customXml/itemProps1.xml><?xml version="1.0" encoding="utf-8"?>
 <ds:datastoreItem xmlns:ds="http://schemas.openxmlformats.org/officeDocument/2006/customXml" ds:itemID="{0C22064C-1319-48D9-99A8-E6155754BCCB}">
   <ds:schemaRefs>
@@ -22086,6 +22048,23 @@
 </file>
 
 <file path=customXml/itemProps2.xml><?xml version="1.0" encoding="utf-8"?>
+<ds:datastoreItem xmlns:ds="http://schemas.openxmlformats.org/officeDocument/2006/customXml" ds:itemID="{92A6475F-74BE-49E2-AA53-D5190570A614}">
+  <ds:schemaRefs>
+    <ds:schemaRef ds:uri="http://purl.org/dc/dcmitype/"/>
+    <ds:schemaRef ds:uri="http://schemas.microsoft.com/office/2006/documentManagement/types"/>
+    <ds:schemaRef ds:uri="http://purl.org/dc/elements/1.1/"/>
+    <ds:schemaRef ds:uri="http://schemas.microsoft.com/office/infopath/2007/PartnerControls"/>
+    <ds:schemaRef ds:uri="http://schemas.openxmlformats.org/package/2006/metadata/core-properties"/>
+    <ds:schemaRef ds:uri="4999cf13-cb53-4a3d-a90e-c2f6e51a4028"/>
+    <ds:schemaRef ds:uri="645951c4-77b2-4271-8f10-a0d3c1e36172"/>
+    <ds:schemaRef ds:uri="http://schemas.microsoft.com/office/2006/metadata/properties"/>
+    <ds:schemaRef ds:uri="http://www.w3.org/XML/1998/namespace"/>
+    <ds:schemaRef ds:uri="http://purl.org/dc/terms/"/>
+  </ds:schemaRefs>
+</ds:datastoreItem>
+</file>
+
+<file path=customXml/itemProps3.xml><?xml version="1.0" encoding="utf-8"?>
 <ds:datastoreItem xmlns:ds="http://schemas.openxmlformats.org/officeDocument/2006/customXml" ds:itemID="{7B8DF68D-5FB3-440F-B135-BC13D85A75AA}">
   <ds:schemaRefs>
     <ds:schemaRef ds:uri="4999cf13-cb53-4a3d-a90e-c2f6e51a4028"/>
@@ -22102,21 +22081,4 @@
     <ds:schemaRef ds:uri="http://www.w3.org/2001/XMLSchema"/>
   </ds:schemaRefs>
 </ds:datastoreItem>
-</file>
-
-<file path=customXml/itemProps3.xml><?xml version="1.0" encoding="utf-8"?>
-<ds:datastoreItem xmlns:ds="http://schemas.openxmlformats.org/officeDocument/2006/customXml" ds:itemID="{92A6475F-74BE-49E2-AA53-D5190570A614}">
-  <ds:schemaRefs>
-    <ds:schemaRef ds:uri="http://purl.org/dc/dcmitype/"/>
-    <ds:schemaRef ds:uri="http://schemas.microsoft.com/office/2006/documentManagement/types"/>
-    <ds:schemaRef ds:uri="http://purl.org/dc/elements/1.1/"/>
-    <ds:schemaRef ds:uri="http://schemas.microsoft.com/office/infopath/2007/PartnerControls"/>
-    <ds:schemaRef ds:uri="http://schemas.openxmlformats.org/package/2006/metadata/core-properties"/>
-    <ds:schemaRef ds:uri="4999cf13-cb53-4a3d-a90e-c2f6e51a4028"/>
-    <ds:schemaRef ds:uri="645951c4-77b2-4271-8f10-a0d3c1e36172"/>
-    <ds:schemaRef ds:uri="http://schemas.microsoft.com/office/2006/metadata/properties"/>
-    <ds:schemaRef ds:uri="http://www.w3.org/XML/1998/namespace"/>
-    <ds:schemaRef ds:uri="http://purl.org/dc/terms/"/>
-  </ds:schemaRefs>
-</ds:datastoreItem>
 </file>